--- a/Doc/nand_controller.pptx
+++ b/Doc/nand_controller.pptx
@@ -211,7 +211,7 @@
           <a:p>
             <a:fld id="{B0648129-CBED-477A-9AED-8815DE0F11D6}" type="datetimeFigureOut">
               <a:rPr lang="en-US" smtClean="0"/>
-              <a:t>6/19/2024</a:t>
+              <a:t>6/20/2024</a:t>
             </a:fld>
             <a:endParaRPr lang="en-US"/>
           </a:p>
@@ -1990,7 +1990,7 @@
           <a:p>
             <a:fld id="{AAD6CF9B-813B-42E4-B4E4-BBBF2F41A3DB}" type="datetimeFigureOut">
               <a:rPr lang="en-US" smtClean="0"/>
-              <a:t>6/19/2024</a:t>
+              <a:t>6/20/2024</a:t>
             </a:fld>
             <a:endParaRPr lang="en-US"/>
           </a:p>
@@ -2160,7 +2160,7 @@
           <a:p>
             <a:fld id="{AAD6CF9B-813B-42E4-B4E4-BBBF2F41A3DB}" type="datetimeFigureOut">
               <a:rPr lang="en-US" smtClean="0"/>
-              <a:t>6/19/2024</a:t>
+              <a:t>6/20/2024</a:t>
             </a:fld>
             <a:endParaRPr lang="en-US"/>
           </a:p>
@@ -2340,7 +2340,7 @@
           <a:p>
             <a:fld id="{AAD6CF9B-813B-42E4-B4E4-BBBF2F41A3DB}" type="datetimeFigureOut">
               <a:rPr lang="en-US" smtClean="0"/>
-              <a:t>6/19/2024</a:t>
+              <a:t>6/20/2024</a:t>
             </a:fld>
             <a:endParaRPr lang="en-US"/>
           </a:p>
@@ -2510,7 +2510,7 @@
           <a:p>
             <a:fld id="{AAD6CF9B-813B-42E4-B4E4-BBBF2F41A3DB}" type="datetimeFigureOut">
               <a:rPr lang="en-US" smtClean="0"/>
-              <a:t>6/19/2024</a:t>
+              <a:t>6/20/2024</a:t>
             </a:fld>
             <a:endParaRPr lang="en-US"/>
           </a:p>
@@ -2756,7 +2756,7 @@
           <a:p>
             <a:fld id="{AAD6CF9B-813B-42E4-B4E4-BBBF2F41A3DB}" type="datetimeFigureOut">
               <a:rPr lang="en-US" smtClean="0"/>
-              <a:t>6/19/2024</a:t>
+              <a:t>6/20/2024</a:t>
             </a:fld>
             <a:endParaRPr lang="en-US"/>
           </a:p>
@@ -2988,7 +2988,7 @@
           <a:p>
             <a:fld id="{AAD6CF9B-813B-42E4-B4E4-BBBF2F41A3DB}" type="datetimeFigureOut">
               <a:rPr lang="en-US" smtClean="0"/>
-              <a:t>6/19/2024</a:t>
+              <a:t>6/20/2024</a:t>
             </a:fld>
             <a:endParaRPr lang="en-US"/>
           </a:p>
@@ -3355,7 +3355,7 @@
           <a:p>
             <a:fld id="{AAD6CF9B-813B-42E4-B4E4-BBBF2F41A3DB}" type="datetimeFigureOut">
               <a:rPr lang="en-US" smtClean="0"/>
-              <a:t>6/19/2024</a:t>
+              <a:t>6/20/2024</a:t>
             </a:fld>
             <a:endParaRPr lang="en-US"/>
           </a:p>
@@ -3473,7 +3473,7 @@
           <a:p>
             <a:fld id="{AAD6CF9B-813B-42E4-B4E4-BBBF2F41A3DB}" type="datetimeFigureOut">
               <a:rPr lang="en-US" smtClean="0"/>
-              <a:t>6/19/2024</a:t>
+              <a:t>6/20/2024</a:t>
             </a:fld>
             <a:endParaRPr lang="en-US"/>
           </a:p>
@@ -3568,7 +3568,7 @@
           <a:p>
             <a:fld id="{AAD6CF9B-813B-42E4-B4E4-BBBF2F41A3DB}" type="datetimeFigureOut">
               <a:rPr lang="en-US" smtClean="0"/>
-              <a:t>6/19/2024</a:t>
+              <a:t>6/20/2024</a:t>
             </a:fld>
             <a:endParaRPr lang="en-US"/>
           </a:p>
@@ -3845,7 +3845,7 @@
           <a:p>
             <a:fld id="{AAD6CF9B-813B-42E4-B4E4-BBBF2F41A3DB}" type="datetimeFigureOut">
               <a:rPr lang="en-US" smtClean="0"/>
-              <a:t>6/19/2024</a:t>
+              <a:t>6/20/2024</a:t>
             </a:fld>
             <a:endParaRPr lang="en-US"/>
           </a:p>
@@ -4098,7 +4098,7 @@
           <a:p>
             <a:fld id="{AAD6CF9B-813B-42E4-B4E4-BBBF2F41A3DB}" type="datetimeFigureOut">
               <a:rPr lang="en-US" smtClean="0"/>
-              <a:t>6/19/2024</a:t>
+              <a:t>6/20/2024</a:t>
             </a:fld>
             <a:endParaRPr lang="en-US"/>
           </a:p>
@@ -4311,7 +4311,7 @@
           <a:p>
             <a:fld id="{AAD6CF9B-813B-42E4-B4E4-BBBF2F41A3DB}" type="datetimeFigureOut">
               <a:rPr lang="en-US" smtClean="0"/>
-              <a:t>6/19/2024</a:t>
+              <a:t>6/20/2024</a:t>
             </a:fld>
             <a:endParaRPr lang="en-US"/>
           </a:p>
@@ -14310,7 +14310,7 @@
           <p:nvPr>
             <p:extLst>
               <p:ext uri="{D42A27DB-BD31-4B8C-83A1-F6EECF244321}">
-                <p14:modId xmlns:p14="http://schemas.microsoft.com/office/powerpoint/2010/main" val="294199517"/>
+                <p14:modId xmlns:p14="http://schemas.microsoft.com/office/powerpoint/2010/main" val="1984499427"/>
               </p:ext>
             </p:extLst>
           </p:nvPr>
@@ -15257,7 +15257,7 @@
                           <a:ea typeface="Batang" panose="02030600000101010101" pitchFamily="18" charset="-127"/>
                           <a:cs typeface="Arial" panose="020B0604020202020204" pitchFamily="34" charset="0"/>
                         </a:rPr>
-                        <a:t>1KB</a:t>
+                        <a:t>256 byte</a:t>
                       </a:r>
                       <a:endParaRPr lang="en-US" sz="1400" dirty="0">
                         <a:effectLst/>
@@ -15577,8 +15577,14 @@
                           <a:ea typeface="Batang" panose="02030600000101010101" pitchFamily="18" charset="-127"/>
                           <a:cs typeface="Arial" panose="020B0604020202020204" pitchFamily="34" charset="0"/>
                         </a:rPr>
-                        <a:t>30us</a:t>
+                        <a:t>25us</a:t>
                       </a:r>
+                      <a:endParaRPr lang="en-US" sz="1400" dirty="0" smtClean="0">
+                        <a:effectLst/>
+                        <a:latin typeface="Arial" panose="020B0604020202020204" pitchFamily="34" charset="0"/>
+                        <a:ea typeface="Batang" panose="02030600000101010101" pitchFamily="18" charset="-127"/>
+                        <a:cs typeface="Arial" panose="020B0604020202020204" pitchFamily="34" charset="0"/>
+                      </a:endParaRPr>
                     </a:p>
                   </a:txBody>
                   <a:tcPr marL="51435" marR="51435" marT="26035" marB="26035">

--- a/Doc/nand_controller.pptx
+++ b/Doc/nand_controller.pptx
@@ -14310,7 +14310,7 @@
           <p:nvPr>
             <p:extLst>
               <p:ext uri="{D42A27DB-BD31-4B8C-83A1-F6EECF244321}">
-                <p14:modId xmlns:p14="http://schemas.microsoft.com/office/powerpoint/2010/main" val="1984499427"/>
+                <p14:modId xmlns:p14="http://schemas.microsoft.com/office/powerpoint/2010/main" val="4069660678"/>
               </p:ext>
             </p:extLst>
           </p:nvPr>
@@ -15257,7 +15257,16 @@
                           <a:ea typeface="Batang" panose="02030600000101010101" pitchFamily="18" charset="-127"/>
                           <a:cs typeface="Arial" panose="020B0604020202020204" pitchFamily="34" charset="0"/>
                         </a:rPr>
-                        <a:t>256 byte</a:t>
+                        <a:t>1K </a:t>
+                      </a:r>
+                      <a:r>
+                        <a:rPr lang="en-US" sz="1400" dirty="0" smtClean="0">
+                          <a:effectLst/>
+                          <a:latin typeface="Arial" panose="020B0604020202020204" pitchFamily="34" charset="0"/>
+                          <a:ea typeface="Batang" panose="02030600000101010101" pitchFamily="18" charset="-127"/>
+                          <a:cs typeface="Arial" panose="020B0604020202020204" pitchFamily="34" charset="0"/>
+                        </a:rPr>
+                        <a:t>byte</a:t>
                       </a:r>
                       <a:endParaRPr lang="en-US" sz="1400" dirty="0">
                         <a:effectLst/>
@@ -15579,12 +15588,6 @@
                         </a:rPr>
                         <a:t>25us</a:t>
                       </a:r>
-                      <a:endParaRPr lang="en-US" sz="1400" dirty="0" smtClean="0">
-                        <a:effectLst/>
-                        <a:latin typeface="Arial" panose="020B0604020202020204" pitchFamily="34" charset="0"/>
-                        <a:ea typeface="Batang" panose="02030600000101010101" pitchFamily="18" charset="-127"/>
-                        <a:cs typeface="Arial" panose="020B0604020202020204" pitchFamily="34" charset="0"/>
-                      </a:endParaRPr>
                     </a:p>
                   </a:txBody>
                   <a:tcPr marL="51435" marR="51435" marT="26035" marB="26035">

--- a/Doc/nand_controller.pptx
+++ b/Doc/nand_controller.pptx
@@ -16,12 +16,12 @@
     <p:sldId id="258" r:id="rId7"/>
     <p:sldId id="287" r:id="rId8"/>
     <p:sldId id="296" r:id="rId9"/>
-    <p:sldId id="297" r:id="rId10"/>
-    <p:sldId id="291" r:id="rId11"/>
-    <p:sldId id="292" r:id="rId12"/>
-    <p:sldId id="293" r:id="rId13"/>
-    <p:sldId id="294" r:id="rId14"/>
-    <p:sldId id="295" r:id="rId15"/>
+    <p:sldId id="291" r:id="rId10"/>
+    <p:sldId id="292" r:id="rId11"/>
+    <p:sldId id="293" r:id="rId12"/>
+    <p:sldId id="294" r:id="rId13"/>
+    <p:sldId id="295" r:id="rId14"/>
+    <p:sldId id="300" r:id="rId15"/>
     <p:sldId id="299" r:id="rId16"/>
   </p:sldIdLst>
   <p:sldSz cx="12192000" cy="6858000"/>
@@ -211,7 +211,7 @@
           <a:p>
             <a:fld id="{B0648129-CBED-477A-9AED-8815DE0F11D6}" type="datetimeFigureOut">
               <a:rPr lang="en-US" smtClean="0"/>
-              <a:t>6/20/2024</a:t>
+              <a:t>6/21/2024</a:t>
             </a:fld>
             <a:endParaRPr lang="en-US"/>
           </a:p>
@@ -653,7 +653,7 @@
     </p:spTree>
     <p:extLst>
       <p:ext uri="{BB962C8B-B14F-4D97-AF65-F5344CB8AC3E}">
-        <p14:creationId xmlns:p14="http://schemas.microsoft.com/office/powerpoint/2010/main" val="4187431944"/>
+        <p14:creationId xmlns:p14="http://schemas.microsoft.com/office/powerpoint/2010/main" val="3617953590"/>
       </p:ext>
     </p:extLst>
   </p:cSld>
@@ -745,7 +745,7 @@
     </p:spTree>
     <p:extLst>
       <p:ext uri="{BB962C8B-B14F-4D97-AF65-F5344CB8AC3E}">
-        <p14:creationId xmlns:p14="http://schemas.microsoft.com/office/powerpoint/2010/main" val="3617953590"/>
+        <p14:creationId xmlns:p14="http://schemas.microsoft.com/office/powerpoint/2010/main" val="2219838007"/>
       </p:ext>
     </p:extLst>
   </p:cSld>
@@ -837,7 +837,7 @@
     </p:spTree>
     <p:extLst>
       <p:ext uri="{BB962C8B-B14F-4D97-AF65-F5344CB8AC3E}">
-        <p14:creationId xmlns:p14="http://schemas.microsoft.com/office/powerpoint/2010/main" val="2219838007"/>
+        <p14:creationId xmlns:p14="http://schemas.microsoft.com/office/powerpoint/2010/main" val="1191124184"/>
       </p:ext>
     </p:extLst>
   </p:cSld>
@@ -929,7 +929,7 @@
     </p:spTree>
     <p:extLst>
       <p:ext uri="{BB962C8B-B14F-4D97-AF65-F5344CB8AC3E}">
-        <p14:creationId xmlns:p14="http://schemas.microsoft.com/office/powerpoint/2010/main" val="1191124184"/>
+        <p14:creationId xmlns:p14="http://schemas.microsoft.com/office/powerpoint/2010/main" val="2024693284"/>
       </p:ext>
     </p:extLst>
   </p:cSld>
@@ -1021,7 +1021,7 @@
     </p:spTree>
     <p:extLst>
       <p:ext uri="{BB962C8B-B14F-4D97-AF65-F5344CB8AC3E}">
-        <p14:creationId xmlns:p14="http://schemas.microsoft.com/office/powerpoint/2010/main" val="2024693284"/>
+        <p14:creationId xmlns:p14="http://schemas.microsoft.com/office/powerpoint/2010/main" val="662496456"/>
       </p:ext>
     </p:extLst>
   </p:cSld>
@@ -1849,7 +1849,7 @@
     </p:spTree>
     <p:extLst>
       <p:ext uri="{BB962C8B-B14F-4D97-AF65-F5344CB8AC3E}">
-        <p14:creationId xmlns:p14="http://schemas.microsoft.com/office/powerpoint/2010/main" val="3640097685"/>
+        <p14:creationId xmlns:p14="http://schemas.microsoft.com/office/powerpoint/2010/main" val="4187431944"/>
       </p:ext>
     </p:extLst>
   </p:cSld>
@@ -1990,7 +1990,7 @@
           <a:p>
             <a:fld id="{AAD6CF9B-813B-42E4-B4E4-BBBF2F41A3DB}" type="datetimeFigureOut">
               <a:rPr lang="en-US" smtClean="0"/>
-              <a:t>6/20/2024</a:t>
+              <a:t>6/21/2024</a:t>
             </a:fld>
             <a:endParaRPr lang="en-US"/>
           </a:p>
@@ -2160,7 +2160,7 @@
           <a:p>
             <a:fld id="{AAD6CF9B-813B-42E4-B4E4-BBBF2F41A3DB}" type="datetimeFigureOut">
               <a:rPr lang="en-US" smtClean="0"/>
-              <a:t>6/20/2024</a:t>
+              <a:t>6/21/2024</a:t>
             </a:fld>
             <a:endParaRPr lang="en-US"/>
           </a:p>
@@ -2340,7 +2340,7 @@
           <a:p>
             <a:fld id="{AAD6CF9B-813B-42E4-B4E4-BBBF2F41A3DB}" type="datetimeFigureOut">
               <a:rPr lang="en-US" smtClean="0"/>
-              <a:t>6/20/2024</a:t>
+              <a:t>6/21/2024</a:t>
             </a:fld>
             <a:endParaRPr lang="en-US"/>
           </a:p>
@@ -2510,7 +2510,7 @@
           <a:p>
             <a:fld id="{AAD6CF9B-813B-42E4-B4E4-BBBF2F41A3DB}" type="datetimeFigureOut">
               <a:rPr lang="en-US" smtClean="0"/>
-              <a:t>6/20/2024</a:t>
+              <a:t>6/21/2024</a:t>
             </a:fld>
             <a:endParaRPr lang="en-US"/>
           </a:p>
@@ -2756,7 +2756,7 @@
           <a:p>
             <a:fld id="{AAD6CF9B-813B-42E4-B4E4-BBBF2F41A3DB}" type="datetimeFigureOut">
               <a:rPr lang="en-US" smtClean="0"/>
-              <a:t>6/20/2024</a:t>
+              <a:t>6/21/2024</a:t>
             </a:fld>
             <a:endParaRPr lang="en-US"/>
           </a:p>
@@ -2988,7 +2988,7 @@
           <a:p>
             <a:fld id="{AAD6CF9B-813B-42E4-B4E4-BBBF2F41A3DB}" type="datetimeFigureOut">
               <a:rPr lang="en-US" smtClean="0"/>
-              <a:t>6/20/2024</a:t>
+              <a:t>6/21/2024</a:t>
             </a:fld>
             <a:endParaRPr lang="en-US"/>
           </a:p>
@@ -3355,7 +3355,7 @@
           <a:p>
             <a:fld id="{AAD6CF9B-813B-42E4-B4E4-BBBF2F41A3DB}" type="datetimeFigureOut">
               <a:rPr lang="en-US" smtClean="0"/>
-              <a:t>6/20/2024</a:t>
+              <a:t>6/21/2024</a:t>
             </a:fld>
             <a:endParaRPr lang="en-US"/>
           </a:p>
@@ -3473,7 +3473,7 @@
           <a:p>
             <a:fld id="{AAD6CF9B-813B-42E4-B4E4-BBBF2F41A3DB}" type="datetimeFigureOut">
               <a:rPr lang="en-US" smtClean="0"/>
-              <a:t>6/20/2024</a:t>
+              <a:t>6/21/2024</a:t>
             </a:fld>
             <a:endParaRPr lang="en-US"/>
           </a:p>
@@ -3568,7 +3568,7 @@
           <a:p>
             <a:fld id="{AAD6CF9B-813B-42E4-B4E4-BBBF2F41A3DB}" type="datetimeFigureOut">
               <a:rPr lang="en-US" smtClean="0"/>
-              <a:t>6/20/2024</a:t>
+              <a:t>6/21/2024</a:t>
             </a:fld>
             <a:endParaRPr lang="en-US"/>
           </a:p>
@@ -3845,7 +3845,7 @@
           <a:p>
             <a:fld id="{AAD6CF9B-813B-42E4-B4E4-BBBF2F41A3DB}" type="datetimeFigureOut">
               <a:rPr lang="en-US" smtClean="0"/>
-              <a:t>6/20/2024</a:t>
+              <a:t>6/21/2024</a:t>
             </a:fld>
             <a:endParaRPr lang="en-US"/>
           </a:p>
@@ -4098,7 +4098,7 @@
           <a:p>
             <a:fld id="{AAD6CF9B-813B-42E4-B4E4-BBBF2F41A3DB}" type="datetimeFigureOut">
               <a:rPr lang="en-US" smtClean="0"/>
-              <a:t>6/20/2024</a:t>
+              <a:t>6/21/2024</a:t>
             </a:fld>
             <a:endParaRPr lang="en-US"/>
           </a:p>
@@ -4311,7 +4311,7 @@
           <a:p>
             <a:fld id="{AAD6CF9B-813B-42E4-B4E4-BBBF2F41A3DB}" type="datetimeFigureOut">
               <a:rPr lang="en-US" smtClean="0"/>
-              <a:t>6/20/2024</a:t>
+              <a:t>6/21/2024</a:t>
             </a:fld>
             <a:endParaRPr lang="en-US"/>
           </a:p>
@@ -5439,7 +5439,7 @@
       </p:sp>
       <p:pic>
         <p:nvPicPr>
-          <p:cNvPr id="5" name="Picture 4"/>
+          <p:cNvPr id="2" name="Picture 1"/>
           <p:cNvPicPr>
             <a:picLocks noChangeAspect="1"/>
           </p:cNvPicPr>
@@ -5453,8 +5453,8 @@
         </p:blipFill>
         <p:spPr>
           <a:xfrm>
-            <a:off x="2471737" y="1847850"/>
-            <a:ext cx="7248525" cy="3162300"/>
+            <a:off x="2433637" y="1971675"/>
+            <a:ext cx="7324725" cy="2914650"/>
           </a:xfrm>
           <a:prstGeom prst="rect">
             <a:avLst/>
@@ -5538,7 +5538,7 @@
     </p:spTree>
     <p:extLst>
       <p:ext uri="{BB962C8B-B14F-4D97-AF65-F5344CB8AC3E}">
-        <p14:creationId xmlns:p14="http://schemas.microsoft.com/office/powerpoint/2010/main" val="3932532918"/>
+        <p14:creationId xmlns:p14="http://schemas.microsoft.com/office/powerpoint/2010/main" val="1857782487"/>
       </p:ext>
     </p:extLst>
   </p:cSld>
@@ -5622,7 +5622,7 @@
       </p:sp>
       <p:pic>
         <p:nvPicPr>
-          <p:cNvPr id="2" name="Picture 1"/>
+          <p:cNvPr id="5" name="Picture 4"/>
           <p:cNvPicPr>
             <a:picLocks noChangeAspect="1"/>
           </p:cNvPicPr>
@@ -5636,8 +5636,8 @@
         </p:blipFill>
         <p:spPr>
           <a:xfrm>
-            <a:off x="2433637" y="1971675"/>
-            <a:ext cx="7324725" cy="2914650"/>
+            <a:off x="2496850" y="2073418"/>
+            <a:ext cx="7400925" cy="4124325"/>
           </a:xfrm>
           <a:prstGeom prst="rect">
             <a:avLst/>
@@ -5721,7 +5721,7 @@
     </p:spTree>
     <p:extLst>
       <p:ext uri="{BB962C8B-B14F-4D97-AF65-F5344CB8AC3E}">
-        <p14:creationId xmlns:p14="http://schemas.microsoft.com/office/powerpoint/2010/main" val="1857782487"/>
+        <p14:creationId xmlns:p14="http://schemas.microsoft.com/office/powerpoint/2010/main" val="916673427"/>
       </p:ext>
     </p:extLst>
   </p:cSld>
@@ -5805,7 +5805,7 @@
       </p:sp>
       <p:pic>
         <p:nvPicPr>
-          <p:cNvPr id="5" name="Picture 4"/>
+          <p:cNvPr id="2" name="Picture 1"/>
           <p:cNvPicPr>
             <a:picLocks noChangeAspect="1"/>
           </p:cNvPicPr>
@@ -5819,8 +5819,8 @@
         </p:blipFill>
         <p:spPr>
           <a:xfrm>
-            <a:off x="2496850" y="2073418"/>
-            <a:ext cx="7400925" cy="4124325"/>
+            <a:off x="3079605" y="2176981"/>
+            <a:ext cx="6448425" cy="3933825"/>
           </a:xfrm>
           <a:prstGeom prst="rect">
             <a:avLst/>
@@ -5904,7 +5904,7 @@
     </p:spTree>
     <p:extLst>
       <p:ext uri="{BB962C8B-B14F-4D97-AF65-F5344CB8AC3E}">
-        <p14:creationId xmlns:p14="http://schemas.microsoft.com/office/powerpoint/2010/main" val="916673427"/>
+        <p14:creationId xmlns:p14="http://schemas.microsoft.com/office/powerpoint/2010/main" val="263740397"/>
       </p:ext>
     </p:extLst>
   </p:cSld>
@@ -5988,7 +5988,7 @@
       </p:sp>
       <p:pic>
         <p:nvPicPr>
-          <p:cNvPr id="2" name="Picture 1"/>
+          <p:cNvPr id="5" name="Picture 4"/>
           <p:cNvPicPr>
             <a:picLocks noChangeAspect="1"/>
           </p:cNvPicPr>
@@ -6002,8 +6002,8 @@
         </p:blipFill>
         <p:spPr>
           <a:xfrm>
-            <a:off x="3079605" y="2176981"/>
-            <a:ext cx="6448425" cy="3933825"/>
+            <a:off x="2690466" y="1953750"/>
+            <a:ext cx="7077075" cy="3914775"/>
           </a:xfrm>
           <a:prstGeom prst="rect">
             <a:avLst/>
@@ -6087,7 +6087,7 @@
     </p:spTree>
     <p:extLst>
       <p:ext uri="{BB962C8B-B14F-4D97-AF65-F5344CB8AC3E}">
-        <p14:creationId xmlns:p14="http://schemas.microsoft.com/office/powerpoint/2010/main" val="263740397"/>
+        <p14:creationId xmlns:p14="http://schemas.microsoft.com/office/powerpoint/2010/main" val="2963136555"/>
       </p:ext>
     </p:extLst>
   </p:cSld>
@@ -6160,7 +6160,7 @@
                 <a:latin typeface="Times New Roman" panose="02020603050405020304" pitchFamily="18" charset="0"/>
                 <a:cs typeface="Times New Roman" panose="02020603050405020304" pitchFamily="18" charset="0"/>
               </a:rPr>
-              <a:t>Asynchronous Interface Timing Diagram</a:t>
+              <a:t>Interface Specifications </a:t>
             </a:r>
             <a:endParaRPr lang="en-US" sz="1400" b="1" dirty="0">
               <a:latin typeface="Times New Roman" panose="02020603050405020304" pitchFamily="18" charset="0"/>
@@ -6169,33 +6169,1359 @@
           </a:p>
         </p:txBody>
       </p:sp>
-      <p:pic>
-        <p:nvPicPr>
-          <p:cNvPr id="5" name="Picture 4"/>
-          <p:cNvPicPr>
-            <a:picLocks noChangeAspect="1"/>
-          </p:cNvPicPr>
-          <p:nvPr/>
-        </p:nvPicPr>
-        <p:blipFill>
-          <a:blip r:embed="rId3"/>
-          <a:stretch>
-            <a:fillRect/>
-          </a:stretch>
-        </p:blipFill>
-        <p:spPr>
-          <a:xfrm>
-            <a:off x="2690466" y="1953750"/>
-            <a:ext cx="7077075" cy="3914775"/>
-          </a:xfrm>
-          <a:prstGeom prst="rect">
-            <a:avLst/>
-          </a:prstGeom>
-        </p:spPr>
-      </p:pic>
-      <p:sp>
-        <p:nvSpPr>
-          <p:cNvPr id="6" name="Rectangle 5"/>
+      <p:graphicFrame>
+        <p:nvGraphicFramePr>
+          <p:cNvPr id="6" name="Table 5"/>
+          <p:cNvGraphicFramePr>
+            <a:graphicFrameLocks noGrp="1"/>
+          </p:cNvGraphicFramePr>
+          <p:nvPr>
+            <p:extLst>
+              <p:ext uri="{D42A27DB-BD31-4B8C-83A1-F6EECF244321}">
+                <p14:modId xmlns:p14="http://schemas.microsoft.com/office/powerpoint/2010/main" val="4069426074"/>
+              </p:ext>
+            </p:extLst>
+          </p:nvPr>
+        </p:nvGraphicFramePr>
+        <p:xfrm>
+          <a:off x="4352587" y="2444876"/>
+          <a:ext cx="3208042" cy="2976880"/>
+        </p:xfrm>
+        <a:graphic>
+          <a:graphicData uri="http://schemas.openxmlformats.org/drawingml/2006/table">
+            <a:tbl>
+              <a:tblPr firstRow="1" bandRow="1"/>
+              <a:tblGrid>
+                <a:gridCol w="1709065">
+                  <a:extLst>
+                    <a:ext uri="{9D8B030D-6E8A-4147-A177-3AD203B41FA5}">
+                      <a16:colId xmlns:a16="http://schemas.microsoft.com/office/drawing/2014/main" val="2668372786"/>
+                    </a:ext>
+                  </a:extLst>
+                </a:gridCol>
+                <a:gridCol w="1498977">
+                  <a:extLst>
+                    <a:ext uri="{9D8B030D-6E8A-4147-A177-3AD203B41FA5}">
+                      <a16:colId xmlns:a16="http://schemas.microsoft.com/office/drawing/2014/main" val="2232263924"/>
+                    </a:ext>
+                  </a:extLst>
+                </a:gridCol>
+              </a:tblGrid>
+              <a:tr h="348200">
+                <a:tc gridSpan="2">
+                  <a:txBody>
+                    <a:bodyPr/>
+                    <a:lstStyle/>
+                    <a:p>
+                      <a:pPr marL="0" marR="0" algn="just">
+                        <a:lnSpc>
+                          <a:spcPct val="150000"/>
+                        </a:lnSpc>
+                        <a:spcBef>
+                          <a:spcPts val="0"/>
+                        </a:spcBef>
+                        <a:spcAft>
+                          <a:spcPts val="800"/>
+                        </a:spcAft>
+                      </a:pPr>
+                      <a:r>
+                        <a:rPr lang="en-US" sz="1400" b="1" dirty="0" smtClean="0">
+                          <a:effectLst/>
+                          <a:latin typeface="Arial" panose="020B0604020202020204" pitchFamily="34" charset="0"/>
+                          <a:ea typeface="Batang" panose="02030600000101010101" pitchFamily="18" charset="-127"/>
+                          <a:cs typeface="Arial" panose="020B0604020202020204" pitchFamily="34" charset="0"/>
+                        </a:rPr>
+                        <a:t>Specifications</a:t>
+                      </a:r>
+                      <a:endParaRPr lang="en-US" sz="1400" b="1" dirty="0">
+                        <a:effectLst/>
+                        <a:latin typeface="Arial" panose="020B0604020202020204" pitchFamily="34" charset="0"/>
+                        <a:ea typeface="Batang" panose="02030600000101010101" pitchFamily="18" charset="-127"/>
+                        <a:cs typeface="Arial" panose="020B0604020202020204" pitchFamily="34" charset="0"/>
+                      </a:endParaRPr>
+                    </a:p>
+                  </a:txBody>
+                  <a:tcPr marL="51435" marR="51435" marT="26035" marB="26035">
+                    <a:lnL w="12700" cap="flat" cmpd="sng" algn="ctr">
+                      <a:solidFill>
+                        <a:srgbClr val="000000"/>
+                      </a:solidFill>
+                      <a:prstDash val="solid"/>
+                      <a:round/>
+                      <a:headEnd type="none" w="med" len="med"/>
+                      <a:tailEnd type="none" w="med" len="med"/>
+                    </a:lnL>
+                    <a:lnR w="12700" cap="flat" cmpd="sng" algn="ctr">
+                      <a:solidFill>
+                        <a:srgbClr val="000000"/>
+                      </a:solidFill>
+                      <a:prstDash val="solid"/>
+                      <a:round/>
+                      <a:headEnd type="none" w="med" len="med"/>
+                      <a:tailEnd type="none" w="med" len="med"/>
+                    </a:lnR>
+                    <a:lnT w="12700" cap="flat" cmpd="sng" algn="ctr">
+                      <a:solidFill>
+                        <a:srgbClr val="000000"/>
+                      </a:solidFill>
+                      <a:prstDash val="solid"/>
+                      <a:round/>
+                      <a:headEnd type="none" w="med" len="med"/>
+                      <a:tailEnd type="none" w="med" len="med"/>
+                    </a:lnT>
+                    <a:lnB w="12700" cap="flat" cmpd="sng" algn="ctr">
+                      <a:solidFill>
+                        <a:srgbClr val="000000"/>
+                      </a:solidFill>
+                      <a:prstDash val="solid"/>
+                      <a:round/>
+                      <a:headEnd type="none" w="med" len="med"/>
+                      <a:tailEnd type="none" w="med" len="med"/>
+                    </a:lnB>
+                    <a:solidFill>
+                      <a:schemeClr val="accent4">
+                        <a:lumMod val="40000"/>
+                        <a:lumOff val="60000"/>
+                      </a:schemeClr>
+                    </a:solidFill>
+                  </a:tcPr>
+                </a:tc>
+                <a:tc hMerge="1">
+                  <a:txBody>
+                    <a:bodyPr/>
+                    <a:lstStyle/>
+                    <a:p>
+                      <a:pPr marL="0" marR="0" algn="just">
+                        <a:lnSpc>
+                          <a:spcPct val="150000"/>
+                        </a:lnSpc>
+                        <a:spcBef>
+                          <a:spcPts val="0"/>
+                        </a:spcBef>
+                        <a:spcAft>
+                          <a:spcPts val="800"/>
+                        </a:spcAft>
+                      </a:pPr>
+                      <a:endParaRPr lang="en-US" sz="1000" b="1" dirty="0">
+                        <a:effectLst/>
+                        <a:latin typeface="Arial" panose="020B0604020202020204" pitchFamily="34" charset="0"/>
+                        <a:ea typeface="Batang" panose="02030600000101010101" pitchFamily="18" charset="-127"/>
+                        <a:cs typeface="Arial" panose="020B0604020202020204" pitchFamily="34" charset="0"/>
+                      </a:endParaRPr>
+                    </a:p>
+                  </a:txBody>
+                  <a:tcPr marL="51435" marR="51435" marT="26035" marB="26035">
+                    <a:lnL w="12700" cap="flat" cmpd="sng" algn="ctr">
+                      <a:solidFill>
+                        <a:srgbClr val="000000"/>
+                      </a:solidFill>
+                      <a:prstDash val="solid"/>
+                      <a:round/>
+                      <a:headEnd type="none" w="med" len="med"/>
+                      <a:tailEnd type="none" w="med" len="med"/>
+                    </a:lnL>
+                    <a:lnR w="12700" cap="flat" cmpd="sng" algn="ctr">
+                      <a:solidFill>
+                        <a:srgbClr val="000000"/>
+                      </a:solidFill>
+                      <a:prstDash val="solid"/>
+                      <a:round/>
+                      <a:headEnd type="none" w="med" len="med"/>
+                      <a:tailEnd type="none" w="med" len="med"/>
+                    </a:lnR>
+                    <a:lnT w="12700" cap="flat" cmpd="sng" algn="ctr">
+                      <a:solidFill>
+                        <a:srgbClr val="000000"/>
+                      </a:solidFill>
+                      <a:prstDash val="solid"/>
+                      <a:round/>
+                      <a:headEnd type="none" w="med" len="med"/>
+                      <a:tailEnd type="none" w="med" len="med"/>
+                    </a:lnT>
+                    <a:lnB w="12700" cap="flat" cmpd="sng" algn="ctr">
+                      <a:solidFill>
+                        <a:srgbClr val="000000"/>
+                      </a:solidFill>
+                      <a:prstDash val="solid"/>
+                      <a:round/>
+                      <a:headEnd type="none" w="med" len="med"/>
+                      <a:tailEnd type="none" w="med" len="med"/>
+                    </a:lnB>
+                    <a:noFill/>
+                  </a:tcPr>
+                </a:tc>
+                <a:extLst>
+                  <a:ext uri="{0D108BD9-81ED-4DB2-BD59-A6C34878D82A}">
+                    <a16:rowId xmlns:a16="http://schemas.microsoft.com/office/drawing/2014/main" val="3341160746"/>
+                  </a:ext>
+                </a:extLst>
+              </a:tr>
+              <a:tr h="353892">
+                <a:tc>
+                  <a:txBody>
+                    <a:bodyPr/>
+                    <a:lstStyle/>
+                    <a:p>
+                      <a:pPr marL="0" marR="0" algn="just">
+                        <a:lnSpc>
+                          <a:spcPct val="150000"/>
+                        </a:lnSpc>
+                        <a:spcBef>
+                          <a:spcPts val="0"/>
+                        </a:spcBef>
+                        <a:spcAft>
+                          <a:spcPts val="800"/>
+                        </a:spcAft>
+                      </a:pPr>
+                      <a:r>
+                        <a:rPr lang="en-US" sz="1400" dirty="0" smtClean="0">
+                          <a:effectLst/>
+                          <a:latin typeface="Arial" panose="020B0604020202020204" pitchFamily="34" charset="0"/>
+                          <a:ea typeface="Batang" panose="02030600000101010101" pitchFamily="18" charset="-127"/>
+                          <a:cs typeface="Arial" panose="020B0604020202020204" pitchFamily="34" charset="0"/>
+                        </a:rPr>
+                        <a:t>Interface</a:t>
+                      </a:r>
+                      <a:endParaRPr lang="en-US" sz="1400" dirty="0">
+                        <a:effectLst/>
+                        <a:latin typeface="Arial" panose="020B0604020202020204" pitchFamily="34" charset="0"/>
+                        <a:ea typeface="Batang" panose="02030600000101010101" pitchFamily="18" charset="-127"/>
+                        <a:cs typeface="Arial" panose="020B0604020202020204" pitchFamily="34" charset="0"/>
+                      </a:endParaRPr>
+                    </a:p>
+                  </a:txBody>
+                  <a:tcPr marL="51435" marR="51435" marT="26035" marB="26035">
+                    <a:lnL w="12700" cap="flat" cmpd="sng" algn="ctr">
+                      <a:solidFill>
+                        <a:srgbClr val="000000"/>
+                      </a:solidFill>
+                      <a:prstDash val="solid"/>
+                      <a:round/>
+                      <a:headEnd type="none" w="med" len="med"/>
+                      <a:tailEnd type="none" w="med" len="med"/>
+                    </a:lnL>
+                    <a:lnR w="12700" cap="flat" cmpd="sng" algn="ctr">
+                      <a:solidFill>
+                        <a:srgbClr val="000000"/>
+                      </a:solidFill>
+                      <a:prstDash val="solid"/>
+                      <a:round/>
+                      <a:headEnd type="none" w="med" len="med"/>
+                      <a:tailEnd type="none" w="med" len="med"/>
+                    </a:lnR>
+                    <a:lnT w="12700" cap="flat" cmpd="sng" algn="ctr">
+                      <a:solidFill>
+                        <a:srgbClr val="000000"/>
+                      </a:solidFill>
+                      <a:prstDash val="solid"/>
+                      <a:round/>
+                      <a:headEnd type="none" w="med" len="med"/>
+                      <a:tailEnd type="none" w="med" len="med"/>
+                    </a:lnT>
+                    <a:lnB w="12700" cap="flat" cmpd="sng" algn="ctr">
+                      <a:solidFill>
+                        <a:srgbClr val="000000"/>
+                      </a:solidFill>
+                      <a:prstDash val="solid"/>
+                      <a:round/>
+                      <a:headEnd type="none" w="med" len="med"/>
+                      <a:tailEnd type="none" w="med" len="med"/>
+                    </a:lnB>
+                    <a:solidFill>
+                      <a:schemeClr val="accent1">
+                        <a:lumMod val="20000"/>
+                        <a:lumOff val="80000"/>
+                      </a:schemeClr>
+                    </a:solidFill>
+                  </a:tcPr>
+                </a:tc>
+                <a:tc>
+                  <a:txBody>
+                    <a:bodyPr/>
+                    <a:lstStyle/>
+                    <a:p>
+                      <a:pPr marL="0" marR="0" indent="0" algn="just" defTabSz="914400" rtl="0" eaLnBrk="1" fontAlgn="auto" latinLnBrk="0" hangingPunct="1">
+                        <a:lnSpc>
+                          <a:spcPct val="150000"/>
+                        </a:lnSpc>
+                        <a:spcBef>
+                          <a:spcPts val="0"/>
+                        </a:spcBef>
+                        <a:spcAft>
+                          <a:spcPts val="800"/>
+                        </a:spcAft>
+                        <a:buClrTx/>
+                        <a:buSzTx/>
+                        <a:buFontTx/>
+                        <a:buNone/>
+                        <a:tabLst/>
+                        <a:defRPr/>
+                      </a:pPr>
+                      <a:r>
+                        <a:rPr lang="en-US" sz="1400" dirty="0" smtClean="0">
+                          <a:effectLst/>
+                          <a:latin typeface="Arial" panose="020B0604020202020204" pitchFamily="34" charset="0"/>
+                          <a:ea typeface="Batang" panose="02030600000101010101" pitchFamily="18" charset="-127"/>
+                          <a:cs typeface="Arial" panose="020B0604020202020204" pitchFamily="34" charset="0"/>
+                        </a:rPr>
+                        <a:t>Asynchronous</a:t>
+                      </a:r>
+                    </a:p>
+                  </a:txBody>
+                  <a:tcPr marL="51435" marR="51435" marT="26035" marB="26035">
+                    <a:lnL w="12700" cap="flat" cmpd="sng" algn="ctr">
+                      <a:solidFill>
+                        <a:srgbClr val="000000"/>
+                      </a:solidFill>
+                      <a:prstDash val="solid"/>
+                      <a:round/>
+                      <a:headEnd type="none" w="med" len="med"/>
+                      <a:tailEnd type="none" w="med" len="med"/>
+                    </a:lnL>
+                    <a:lnR w="12700" cap="flat" cmpd="sng" algn="ctr">
+                      <a:solidFill>
+                        <a:srgbClr val="000000"/>
+                      </a:solidFill>
+                      <a:prstDash val="solid"/>
+                      <a:round/>
+                      <a:headEnd type="none" w="med" len="med"/>
+                      <a:tailEnd type="none" w="med" len="med"/>
+                    </a:lnR>
+                    <a:lnT w="12700" cap="flat" cmpd="sng" algn="ctr">
+                      <a:solidFill>
+                        <a:srgbClr val="000000"/>
+                      </a:solidFill>
+                      <a:prstDash val="solid"/>
+                      <a:round/>
+                      <a:headEnd type="none" w="med" len="med"/>
+                      <a:tailEnd type="none" w="med" len="med"/>
+                    </a:lnT>
+                    <a:lnB w="12700" cap="flat" cmpd="sng" algn="ctr">
+                      <a:solidFill>
+                        <a:srgbClr val="000000"/>
+                      </a:solidFill>
+                      <a:prstDash val="solid"/>
+                      <a:round/>
+                      <a:headEnd type="none" w="med" len="med"/>
+                      <a:tailEnd type="none" w="med" len="med"/>
+                    </a:lnB>
+                    <a:solidFill>
+                      <a:schemeClr val="accent1">
+                        <a:lumMod val="20000"/>
+                        <a:lumOff val="80000"/>
+                      </a:schemeClr>
+                    </a:solidFill>
+                  </a:tcPr>
+                </a:tc>
+                <a:extLst>
+                  <a:ext uri="{0D108BD9-81ED-4DB2-BD59-A6C34878D82A}">
+                    <a16:rowId xmlns:a16="http://schemas.microsoft.com/office/drawing/2014/main" val="3013784375"/>
+                  </a:ext>
+                </a:extLst>
+              </a:tr>
+              <a:tr h="351246">
+                <a:tc>
+                  <a:txBody>
+                    <a:bodyPr/>
+                    <a:lstStyle/>
+                    <a:p>
+                      <a:pPr marL="0" marR="0" algn="just">
+                        <a:lnSpc>
+                          <a:spcPct val="150000"/>
+                        </a:lnSpc>
+                        <a:spcBef>
+                          <a:spcPts val="0"/>
+                        </a:spcBef>
+                        <a:spcAft>
+                          <a:spcPts val="800"/>
+                        </a:spcAft>
+                      </a:pPr>
+                      <a:r>
+                        <a:rPr lang="en-US" sz="1400" dirty="0" smtClean="0">
+                          <a:effectLst/>
+                          <a:latin typeface="Arial" panose="020B0604020202020204" pitchFamily="34" charset="0"/>
+                          <a:ea typeface="Batang" panose="02030600000101010101" pitchFamily="18" charset="-127"/>
+                          <a:cs typeface="Arial" panose="020B0604020202020204" pitchFamily="34" charset="0"/>
+                        </a:rPr>
+                        <a:t>System Clock</a:t>
+                      </a:r>
+                      <a:endParaRPr lang="en-US" sz="1400" dirty="0">
+                        <a:effectLst/>
+                        <a:latin typeface="Arial" panose="020B0604020202020204" pitchFamily="34" charset="0"/>
+                        <a:ea typeface="Batang" panose="02030600000101010101" pitchFamily="18" charset="-127"/>
+                        <a:cs typeface="Arial" panose="020B0604020202020204" pitchFamily="34" charset="0"/>
+                      </a:endParaRPr>
+                    </a:p>
+                  </a:txBody>
+                  <a:tcPr marL="51435" marR="51435" marT="26035" marB="26035">
+                    <a:lnL w="12700" cap="flat" cmpd="sng" algn="ctr">
+                      <a:solidFill>
+                        <a:srgbClr val="000000"/>
+                      </a:solidFill>
+                      <a:prstDash val="solid"/>
+                      <a:round/>
+                      <a:headEnd type="none" w="med" len="med"/>
+                      <a:tailEnd type="none" w="med" len="med"/>
+                    </a:lnL>
+                    <a:lnR w="12700" cap="flat" cmpd="sng" algn="ctr">
+                      <a:solidFill>
+                        <a:srgbClr val="000000"/>
+                      </a:solidFill>
+                      <a:prstDash val="solid"/>
+                      <a:round/>
+                      <a:headEnd type="none" w="med" len="med"/>
+                      <a:tailEnd type="none" w="med" len="med"/>
+                    </a:lnR>
+                    <a:lnT w="12700" cap="flat" cmpd="sng" algn="ctr">
+                      <a:solidFill>
+                        <a:srgbClr val="000000"/>
+                      </a:solidFill>
+                      <a:prstDash val="solid"/>
+                      <a:round/>
+                      <a:headEnd type="none" w="med" len="med"/>
+                      <a:tailEnd type="none" w="med" len="med"/>
+                    </a:lnT>
+                    <a:lnB w="12700" cap="flat" cmpd="sng" algn="ctr">
+                      <a:solidFill>
+                        <a:srgbClr val="000000"/>
+                      </a:solidFill>
+                      <a:prstDash val="solid"/>
+                      <a:round/>
+                      <a:headEnd type="none" w="med" len="med"/>
+                      <a:tailEnd type="none" w="med" len="med"/>
+                    </a:lnB>
+                    <a:solidFill>
+                      <a:schemeClr val="accent1">
+                        <a:lumMod val="20000"/>
+                        <a:lumOff val="80000"/>
+                      </a:schemeClr>
+                    </a:solidFill>
+                  </a:tcPr>
+                </a:tc>
+                <a:tc>
+                  <a:txBody>
+                    <a:bodyPr/>
+                    <a:lstStyle/>
+                    <a:p>
+                      <a:pPr marL="0" marR="0" indent="0" algn="just" defTabSz="914400" rtl="0" eaLnBrk="1" fontAlgn="auto" latinLnBrk="0" hangingPunct="1">
+                        <a:lnSpc>
+                          <a:spcPct val="150000"/>
+                        </a:lnSpc>
+                        <a:spcBef>
+                          <a:spcPts val="0"/>
+                        </a:spcBef>
+                        <a:spcAft>
+                          <a:spcPts val="800"/>
+                        </a:spcAft>
+                        <a:buClrTx/>
+                        <a:buSzTx/>
+                        <a:buFontTx/>
+                        <a:buNone/>
+                        <a:tabLst/>
+                        <a:defRPr/>
+                      </a:pPr>
+                      <a:r>
+                        <a:rPr lang="en-US" sz="1400" dirty="0" smtClean="0">
+                          <a:effectLst/>
+                          <a:latin typeface="Arial" panose="020B0604020202020204" pitchFamily="34" charset="0"/>
+                          <a:ea typeface="Batang" panose="02030600000101010101" pitchFamily="18" charset="-127"/>
+                          <a:cs typeface="Arial" panose="020B0604020202020204" pitchFamily="34" charset="0"/>
+                        </a:rPr>
+                        <a:t>100Mhz</a:t>
+                      </a:r>
+                      <a:endParaRPr lang="en-US" sz="1400" dirty="0" smtClean="0">
+                        <a:effectLst/>
+                        <a:latin typeface="Arial" panose="020B0604020202020204" pitchFamily="34" charset="0"/>
+                        <a:ea typeface="Batang" panose="02030600000101010101" pitchFamily="18" charset="-127"/>
+                        <a:cs typeface="Arial" panose="020B0604020202020204" pitchFamily="34" charset="0"/>
+                      </a:endParaRPr>
+                    </a:p>
+                  </a:txBody>
+                  <a:tcPr marL="51435" marR="51435" marT="26035" marB="26035">
+                    <a:lnL w="12700" cap="flat" cmpd="sng" algn="ctr">
+                      <a:solidFill>
+                        <a:srgbClr val="000000"/>
+                      </a:solidFill>
+                      <a:prstDash val="solid"/>
+                      <a:round/>
+                      <a:headEnd type="none" w="med" len="med"/>
+                      <a:tailEnd type="none" w="med" len="med"/>
+                    </a:lnL>
+                    <a:lnR w="12700" cap="flat" cmpd="sng" algn="ctr">
+                      <a:solidFill>
+                        <a:srgbClr val="000000"/>
+                      </a:solidFill>
+                      <a:prstDash val="solid"/>
+                      <a:round/>
+                      <a:headEnd type="none" w="med" len="med"/>
+                      <a:tailEnd type="none" w="med" len="med"/>
+                    </a:lnR>
+                    <a:lnT w="12700" cap="flat" cmpd="sng" algn="ctr">
+                      <a:solidFill>
+                        <a:srgbClr val="000000"/>
+                      </a:solidFill>
+                      <a:prstDash val="solid"/>
+                      <a:round/>
+                      <a:headEnd type="none" w="med" len="med"/>
+                      <a:tailEnd type="none" w="med" len="med"/>
+                    </a:lnT>
+                    <a:lnB w="12700" cap="flat" cmpd="sng" algn="ctr">
+                      <a:solidFill>
+                        <a:srgbClr val="000000"/>
+                      </a:solidFill>
+                      <a:prstDash val="solid"/>
+                      <a:round/>
+                      <a:headEnd type="none" w="med" len="med"/>
+                      <a:tailEnd type="none" w="med" len="med"/>
+                    </a:lnB>
+                    <a:solidFill>
+                      <a:schemeClr val="accent1">
+                        <a:lumMod val="20000"/>
+                        <a:lumOff val="80000"/>
+                      </a:schemeClr>
+                    </a:solidFill>
+                  </a:tcPr>
+                </a:tc>
+                <a:extLst>
+                  <a:ext uri="{0D108BD9-81ED-4DB2-BD59-A6C34878D82A}">
+                    <a16:rowId xmlns:a16="http://schemas.microsoft.com/office/drawing/2014/main" val="1300794617"/>
+                  </a:ext>
+                </a:extLst>
+              </a:tr>
+              <a:tr h="351246">
+                <a:tc>
+                  <a:txBody>
+                    <a:bodyPr/>
+                    <a:lstStyle/>
+                    <a:p>
+                      <a:pPr marL="0" marR="0" algn="just">
+                        <a:lnSpc>
+                          <a:spcPct val="150000"/>
+                        </a:lnSpc>
+                        <a:spcBef>
+                          <a:spcPts val="0"/>
+                        </a:spcBef>
+                        <a:spcAft>
+                          <a:spcPts val="800"/>
+                        </a:spcAft>
+                      </a:pPr>
+                      <a:r>
+                        <a:rPr lang="en-US" sz="1400" dirty="0" smtClean="0">
+                          <a:effectLst/>
+                          <a:latin typeface="Arial" panose="020B0604020202020204" pitchFamily="34" charset="0"/>
+                          <a:ea typeface="Batang" panose="02030600000101010101" pitchFamily="18" charset="-127"/>
+                          <a:cs typeface="Arial" panose="020B0604020202020204" pitchFamily="34" charset="0"/>
+                        </a:rPr>
+                        <a:t>Device Clock</a:t>
+                      </a:r>
+                      <a:endParaRPr lang="en-US" sz="1400" dirty="0">
+                        <a:effectLst/>
+                        <a:latin typeface="Arial" panose="020B0604020202020204" pitchFamily="34" charset="0"/>
+                        <a:ea typeface="Batang" panose="02030600000101010101" pitchFamily="18" charset="-127"/>
+                        <a:cs typeface="Arial" panose="020B0604020202020204" pitchFamily="34" charset="0"/>
+                      </a:endParaRPr>
+                    </a:p>
+                  </a:txBody>
+                  <a:tcPr marL="51435" marR="51435" marT="26035" marB="26035">
+                    <a:lnL w="12700" cap="flat" cmpd="sng" algn="ctr">
+                      <a:solidFill>
+                        <a:srgbClr val="000000"/>
+                      </a:solidFill>
+                      <a:prstDash val="solid"/>
+                      <a:round/>
+                      <a:headEnd type="none" w="med" len="med"/>
+                      <a:tailEnd type="none" w="med" len="med"/>
+                    </a:lnL>
+                    <a:lnR w="12700" cap="flat" cmpd="sng" algn="ctr">
+                      <a:solidFill>
+                        <a:srgbClr val="000000"/>
+                      </a:solidFill>
+                      <a:prstDash val="solid"/>
+                      <a:round/>
+                      <a:headEnd type="none" w="med" len="med"/>
+                      <a:tailEnd type="none" w="med" len="med"/>
+                    </a:lnR>
+                    <a:lnT w="12700" cap="flat" cmpd="sng" algn="ctr">
+                      <a:solidFill>
+                        <a:srgbClr val="000000"/>
+                      </a:solidFill>
+                      <a:prstDash val="solid"/>
+                      <a:round/>
+                      <a:headEnd type="none" w="med" len="med"/>
+                      <a:tailEnd type="none" w="med" len="med"/>
+                    </a:lnT>
+                    <a:lnB w="12700" cap="flat" cmpd="sng" algn="ctr">
+                      <a:solidFill>
+                        <a:srgbClr val="000000"/>
+                      </a:solidFill>
+                      <a:prstDash val="solid"/>
+                      <a:round/>
+                      <a:headEnd type="none" w="med" len="med"/>
+                      <a:tailEnd type="none" w="med" len="med"/>
+                    </a:lnB>
+                    <a:solidFill>
+                      <a:schemeClr val="accent1">
+                        <a:lumMod val="20000"/>
+                        <a:lumOff val="80000"/>
+                      </a:schemeClr>
+                    </a:solidFill>
+                  </a:tcPr>
+                </a:tc>
+                <a:tc>
+                  <a:txBody>
+                    <a:bodyPr/>
+                    <a:lstStyle/>
+                    <a:p>
+                      <a:pPr marL="0" marR="0" algn="just">
+                        <a:lnSpc>
+                          <a:spcPct val="150000"/>
+                        </a:lnSpc>
+                        <a:spcBef>
+                          <a:spcPts val="0"/>
+                        </a:spcBef>
+                        <a:spcAft>
+                          <a:spcPts val="800"/>
+                        </a:spcAft>
+                      </a:pPr>
+                      <a:r>
+                        <a:rPr lang="en-US" sz="1400" dirty="0" smtClean="0">
+                          <a:effectLst/>
+                          <a:latin typeface="Arial" panose="020B0604020202020204" pitchFamily="34" charset="0"/>
+                          <a:ea typeface="Batang" panose="02030600000101010101" pitchFamily="18" charset="-127"/>
+                          <a:cs typeface="Arial" panose="020B0604020202020204" pitchFamily="34" charset="0"/>
+                        </a:rPr>
+                        <a:t>10Mhz</a:t>
+                      </a:r>
+                      <a:endParaRPr lang="en-US" sz="1400" dirty="0">
+                        <a:effectLst/>
+                        <a:latin typeface="Arial" panose="020B0604020202020204" pitchFamily="34" charset="0"/>
+                        <a:ea typeface="Batang" panose="02030600000101010101" pitchFamily="18" charset="-127"/>
+                        <a:cs typeface="Arial" panose="020B0604020202020204" pitchFamily="34" charset="0"/>
+                      </a:endParaRPr>
+                    </a:p>
+                  </a:txBody>
+                  <a:tcPr marL="51435" marR="51435" marT="26035" marB="26035">
+                    <a:lnL w="12700" cap="flat" cmpd="sng" algn="ctr">
+                      <a:solidFill>
+                        <a:srgbClr val="000000"/>
+                      </a:solidFill>
+                      <a:prstDash val="solid"/>
+                      <a:round/>
+                      <a:headEnd type="none" w="med" len="med"/>
+                      <a:tailEnd type="none" w="med" len="med"/>
+                    </a:lnL>
+                    <a:lnR w="12700" cap="flat" cmpd="sng" algn="ctr">
+                      <a:solidFill>
+                        <a:srgbClr val="000000"/>
+                      </a:solidFill>
+                      <a:prstDash val="solid"/>
+                      <a:round/>
+                      <a:headEnd type="none" w="med" len="med"/>
+                      <a:tailEnd type="none" w="med" len="med"/>
+                    </a:lnR>
+                    <a:lnT w="12700" cap="flat" cmpd="sng" algn="ctr">
+                      <a:solidFill>
+                        <a:srgbClr val="000000"/>
+                      </a:solidFill>
+                      <a:prstDash val="solid"/>
+                      <a:round/>
+                      <a:headEnd type="none" w="med" len="med"/>
+                      <a:tailEnd type="none" w="med" len="med"/>
+                    </a:lnT>
+                    <a:lnB w="12700" cap="flat" cmpd="sng" algn="ctr">
+                      <a:solidFill>
+                        <a:srgbClr val="000000"/>
+                      </a:solidFill>
+                      <a:prstDash val="solid"/>
+                      <a:round/>
+                      <a:headEnd type="none" w="med" len="med"/>
+                      <a:tailEnd type="none" w="med" len="med"/>
+                    </a:lnB>
+                    <a:solidFill>
+                      <a:schemeClr val="accent1">
+                        <a:lumMod val="20000"/>
+                        <a:lumOff val="80000"/>
+                      </a:schemeClr>
+                    </a:solidFill>
+                  </a:tcPr>
+                </a:tc>
+                <a:extLst>
+                  <a:ext uri="{0D108BD9-81ED-4DB2-BD59-A6C34878D82A}">
+                    <a16:rowId xmlns:a16="http://schemas.microsoft.com/office/drawing/2014/main" val="2771345507"/>
+                  </a:ext>
+                </a:extLst>
+              </a:tr>
+              <a:tr h="351246">
+                <a:tc>
+                  <a:txBody>
+                    <a:bodyPr/>
+                    <a:lstStyle/>
+                    <a:p>
+                      <a:pPr marL="0" marR="0" indent="0" algn="just" defTabSz="914400" rtl="0" eaLnBrk="1" fontAlgn="auto" latinLnBrk="0" hangingPunct="1">
+                        <a:lnSpc>
+                          <a:spcPct val="150000"/>
+                        </a:lnSpc>
+                        <a:spcBef>
+                          <a:spcPts val="0"/>
+                        </a:spcBef>
+                        <a:spcAft>
+                          <a:spcPts val="800"/>
+                        </a:spcAft>
+                        <a:buClrTx/>
+                        <a:buSzTx/>
+                        <a:buFontTx/>
+                        <a:buNone/>
+                        <a:tabLst/>
+                        <a:defRPr/>
+                      </a:pPr>
+                      <a:r>
+                        <a:rPr lang="en-US" sz="1400" dirty="0" smtClean="0">
+                          <a:effectLst/>
+                          <a:latin typeface="Arial" panose="020B0604020202020204" pitchFamily="34" charset="0"/>
+                          <a:ea typeface="Batang" panose="02030600000101010101" pitchFamily="18" charset="-127"/>
+                          <a:cs typeface="Arial" panose="020B0604020202020204" pitchFamily="34" charset="0"/>
+                        </a:rPr>
+                        <a:t>Timing Mode</a:t>
+                      </a:r>
+                    </a:p>
+                  </a:txBody>
+                  <a:tcPr marL="51435" marR="51435" marT="26035" marB="26035">
+                    <a:lnL w="12700" cap="flat" cmpd="sng" algn="ctr">
+                      <a:solidFill>
+                        <a:srgbClr val="000000"/>
+                      </a:solidFill>
+                      <a:prstDash val="solid"/>
+                      <a:round/>
+                      <a:headEnd type="none" w="med" len="med"/>
+                      <a:tailEnd type="none" w="med" len="med"/>
+                    </a:lnL>
+                    <a:lnR w="12700" cap="flat" cmpd="sng" algn="ctr">
+                      <a:solidFill>
+                        <a:srgbClr val="000000"/>
+                      </a:solidFill>
+                      <a:prstDash val="solid"/>
+                      <a:round/>
+                      <a:headEnd type="none" w="med" len="med"/>
+                      <a:tailEnd type="none" w="med" len="med"/>
+                    </a:lnR>
+                    <a:lnT w="12700" cap="flat" cmpd="sng" algn="ctr">
+                      <a:solidFill>
+                        <a:srgbClr val="000000"/>
+                      </a:solidFill>
+                      <a:prstDash val="solid"/>
+                      <a:round/>
+                      <a:headEnd type="none" w="med" len="med"/>
+                      <a:tailEnd type="none" w="med" len="med"/>
+                    </a:lnT>
+                    <a:lnB w="12700" cap="flat" cmpd="sng" algn="ctr">
+                      <a:solidFill>
+                        <a:srgbClr val="000000"/>
+                      </a:solidFill>
+                      <a:prstDash val="solid"/>
+                      <a:round/>
+                      <a:headEnd type="none" w="med" len="med"/>
+                      <a:tailEnd type="none" w="med" len="med"/>
+                    </a:lnB>
+                    <a:solidFill>
+                      <a:schemeClr val="accent1">
+                        <a:lumMod val="20000"/>
+                        <a:lumOff val="80000"/>
+                      </a:schemeClr>
+                    </a:solidFill>
+                  </a:tcPr>
+                </a:tc>
+                <a:tc>
+                  <a:txBody>
+                    <a:bodyPr/>
+                    <a:lstStyle/>
+                    <a:p>
+                      <a:pPr marL="0" marR="0" algn="just">
+                        <a:lnSpc>
+                          <a:spcPct val="150000"/>
+                        </a:lnSpc>
+                        <a:spcBef>
+                          <a:spcPts val="0"/>
+                        </a:spcBef>
+                        <a:spcAft>
+                          <a:spcPts val="800"/>
+                        </a:spcAft>
+                      </a:pPr>
+                      <a:r>
+                        <a:rPr lang="en-US" sz="1400" dirty="0" smtClean="0">
+                          <a:effectLst/>
+                          <a:latin typeface="Arial" panose="020B0604020202020204" pitchFamily="34" charset="0"/>
+                          <a:ea typeface="Batang" panose="02030600000101010101" pitchFamily="18" charset="-127"/>
+                          <a:cs typeface="Arial" panose="020B0604020202020204" pitchFamily="34" charset="0"/>
+                        </a:rPr>
+                        <a:t>0</a:t>
+                      </a:r>
+                      <a:endParaRPr lang="en-US" sz="1400" dirty="0">
+                        <a:effectLst/>
+                        <a:latin typeface="Arial" panose="020B0604020202020204" pitchFamily="34" charset="0"/>
+                        <a:ea typeface="Batang" panose="02030600000101010101" pitchFamily="18" charset="-127"/>
+                        <a:cs typeface="Arial" panose="020B0604020202020204" pitchFamily="34" charset="0"/>
+                      </a:endParaRPr>
+                    </a:p>
+                  </a:txBody>
+                  <a:tcPr marL="51435" marR="51435" marT="26035" marB="26035">
+                    <a:lnL w="12700" cap="flat" cmpd="sng" algn="ctr">
+                      <a:solidFill>
+                        <a:srgbClr val="000000"/>
+                      </a:solidFill>
+                      <a:prstDash val="solid"/>
+                      <a:round/>
+                      <a:headEnd type="none" w="med" len="med"/>
+                      <a:tailEnd type="none" w="med" len="med"/>
+                    </a:lnL>
+                    <a:lnR w="12700" cap="flat" cmpd="sng" algn="ctr">
+                      <a:solidFill>
+                        <a:srgbClr val="000000"/>
+                      </a:solidFill>
+                      <a:prstDash val="solid"/>
+                      <a:round/>
+                      <a:headEnd type="none" w="med" len="med"/>
+                      <a:tailEnd type="none" w="med" len="med"/>
+                    </a:lnR>
+                    <a:lnT w="12700" cap="flat" cmpd="sng" algn="ctr">
+                      <a:solidFill>
+                        <a:srgbClr val="000000"/>
+                      </a:solidFill>
+                      <a:prstDash val="solid"/>
+                      <a:round/>
+                      <a:headEnd type="none" w="med" len="med"/>
+                      <a:tailEnd type="none" w="med" len="med"/>
+                    </a:lnT>
+                    <a:lnB w="12700" cap="flat" cmpd="sng" algn="ctr">
+                      <a:solidFill>
+                        <a:srgbClr val="000000"/>
+                      </a:solidFill>
+                      <a:prstDash val="solid"/>
+                      <a:round/>
+                      <a:headEnd type="none" w="med" len="med"/>
+                      <a:tailEnd type="none" w="med" len="med"/>
+                    </a:lnB>
+                    <a:solidFill>
+                      <a:schemeClr val="accent1">
+                        <a:lumMod val="20000"/>
+                        <a:lumOff val="80000"/>
+                      </a:schemeClr>
+                    </a:solidFill>
+                  </a:tcPr>
+                </a:tc>
+                <a:extLst>
+                  <a:ext uri="{0D108BD9-81ED-4DB2-BD59-A6C34878D82A}">
+                    <a16:rowId xmlns:a16="http://schemas.microsoft.com/office/drawing/2014/main" val="2427695030"/>
+                  </a:ext>
+                </a:extLst>
+              </a:tr>
+              <a:tr h="351246">
+                <a:tc>
+                  <a:txBody>
+                    <a:bodyPr/>
+                    <a:lstStyle/>
+                    <a:p>
+                      <a:pPr marL="0" marR="0" indent="0" algn="just" defTabSz="914400" rtl="0" eaLnBrk="1" fontAlgn="auto" latinLnBrk="0" hangingPunct="1">
+                        <a:lnSpc>
+                          <a:spcPct val="150000"/>
+                        </a:lnSpc>
+                        <a:spcBef>
+                          <a:spcPts val="0"/>
+                        </a:spcBef>
+                        <a:spcAft>
+                          <a:spcPts val="800"/>
+                        </a:spcAft>
+                        <a:buClrTx/>
+                        <a:buSzTx/>
+                        <a:buFontTx/>
+                        <a:buNone/>
+                        <a:tabLst/>
+                        <a:defRPr/>
+                      </a:pPr>
+                      <a:r>
+                        <a:rPr lang="en-US" sz="1400" dirty="0" smtClean="0">
+                          <a:effectLst/>
+                          <a:latin typeface="Arial" panose="020B0604020202020204" pitchFamily="34" charset="0"/>
+                          <a:ea typeface="Batang" panose="02030600000101010101" pitchFamily="18" charset="-127"/>
+                          <a:cs typeface="Arial" panose="020B0604020202020204" pitchFamily="34" charset="0"/>
+                        </a:rPr>
+                        <a:t>Page</a:t>
+                      </a:r>
+                      <a:r>
+                        <a:rPr lang="en-US" sz="1400" baseline="0" dirty="0" smtClean="0">
+                          <a:effectLst/>
+                          <a:latin typeface="Arial" panose="020B0604020202020204" pitchFamily="34" charset="0"/>
+                          <a:ea typeface="Batang" panose="02030600000101010101" pitchFamily="18" charset="-127"/>
+                          <a:cs typeface="Arial" panose="020B0604020202020204" pitchFamily="34" charset="0"/>
+                        </a:rPr>
+                        <a:t> size</a:t>
+                      </a:r>
+                      <a:endParaRPr lang="en-US" sz="1400" dirty="0" smtClean="0">
+                        <a:effectLst/>
+                        <a:latin typeface="Arial" panose="020B0604020202020204" pitchFamily="34" charset="0"/>
+                        <a:ea typeface="Batang" panose="02030600000101010101" pitchFamily="18" charset="-127"/>
+                        <a:cs typeface="Arial" panose="020B0604020202020204" pitchFamily="34" charset="0"/>
+                      </a:endParaRPr>
+                    </a:p>
+                  </a:txBody>
+                  <a:tcPr marL="51435" marR="51435" marT="26035" marB="26035">
+                    <a:lnL w="12700" cap="flat" cmpd="sng" algn="ctr">
+                      <a:solidFill>
+                        <a:srgbClr val="000000"/>
+                      </a:solidFill>
+                      <a:prstDash val="solid"/>
+                      <a:round/>
+                      <a:headEnd type="none" w="med" len="med"/>
+                      <a:tailEnd type="none" w="med" len="med"/>
+                    </a:lnL>
+                    <a:lnR w="12700" cap="flat" cmpd="sng" algn="ctr">
+                      <a:solidFill>
+                        <a:srgbClr val="000000"/>
+                      </a:solidFill>
+                      <a:prstDash val="solid"/>
+                      <a:round/>
+                      <a:headEnd type="none" w="med" len="med"/>
+                      <a:tailEnd type="none" w="med" len="med"/>
+                    </a:lnR>
+                    <a:lnT w="12700" cap="flat" cmpd="sng" algn="ctr">
+                      <a:solidFill>
+                        <a:srgbClr val="000000"/>
+                      </a:solidFill>
+                      <a:prstDash val="solid"/>
+                      <a:round/>
+                      <a:headEnd type="none" w="med" len="med"/>
+                      <a:tailEnd type="none" w="med" len="med"/>
+                    </a:lnT>
+                    <a:lnB w="12700" cap="flat" cmpd="sng" algn="ctr">
+                      <a:solidFill>
+                        <a:srgbClr val="000000"/>
+                      </a:solidFill>
+                      <a:prstDash val="solid"/>
+                      <a:round/>
+                      <a:headEnd type="none" w="med" len="med"/>
+                      <a:tailEnd type="none" w="med" len="med"/>
+                    </a:lnB>
+                    <a:solidFill>
+                      <a:schemeClr val="accent1">
+                        <a:lumMod val="20000"/>
+                        <a:lumOff val="80000"/>
+                      </a:schemeClr>
+                    </a:solidFill>
+                  </a:tcPr>
+                </a:tc>
+                <a:tc>
+                  <a:txBody>
+                    <a:bodyPr/>
+                    <a:lstStyle/>
+                    <a:p>
+                      <a:pPr marL="0" marR="0" algn="just">
+                        <a:lnSpc>
+                          <a:spcPct val="150000"/>
+                        </a:lnSpc>
+                        <a:spcBef>
+                          <a:spcPts val="0"/>
+                        </a:spcBef>
+                        <a:spcAft>
+                          <a:spcPts val="800"/>
+                        </a:spcAft>
+                      </a:pPr>
+                      <a:r>
+                        <a:rPr lang="en-US" sz="1400" dirty="0" smtClean="0">
+                          <a:effectLst/>
+                          <a:latin typeface="Arial" panose="020B0604020202020204" pitchFamily="34" charset="0"/>
+                          <a:ea typeface="Batang" panose="02030600000101010101" pitchFamily="18" charset="-127"/>
+                          <a:cs typeface="Arial" panose="020B0604020202020204" pitchFamily="34" charset="0"/>
+                        </a:rPr>
+                        <a:t>8K </a:t>
+                      </a:r>
+                      <a:r>
+                        <a:rPr lang="en-US" sz="1400" dirty="0" smtClean="0">
+                          <a:effectLst/>
+                          <a:latin typeface="Arial" panose="020B0604020202020204" pitchFamily="34" charset="0"/>
+                          <a:ea typeface="Batang" panose="02030600000101010101" pitchFamily="18" charset="-127"/>
+                          <a:cs typeface="Arial" panose="020B0604020202020204" pitchFamily="34" charset="0"/>
+                        </a:rPr>
+                        <a:t>byte</a:t>
+                      </a:r>
+                      <a:endParaRPr lang="en-US" sz="1400" dirty="0">
+                        <a:effectLst/>
+                        <a:latin typeface="Arial" panose="020B0604020202020204" pitchFamily="34" charset="0"/>
+                        <a:ea typeface="Batang" panose="02030600000101010101" pitchFamily="18" charset="-127"/>
+                        <a:cs typeface="Arial" panose="020B0604020202020204" pitchFamily="34" charset="0"/>
+                      </a:endParaRPr>
+                    </a:p>
+                  </a:txBody>
+                  <a:tcPr marL="51435" marR="51435" marT="26035" marB="26035">
+                    <a:lnL w="12700" cap="flat" cmpd="sng" algn="ctr">
+                      <a:solidFill>
+                        <a:srgbClr val="000000"/>
+                      </a:solidFill>
+                      <a:prstDash val="solid"/>
+                      <a:round/>
+                      <a:headEnd type="none" w="med" len="med"/>
+                      <a:tailEnd type="none" w="med" len="med"/>
+                    </a:lnL>
+                    <a:lnR w="12700" cap="flat" cmpd="sng" algn="ctr">
+                      <a:solidFill>
+                        <a:srgbClr val="000000"/>
+                      </a:solidFill>
+                      <a:prstDash val="solid"/>
+                      <a:round/>
+                      <a:headEnd type="none" w="med" len="med"/>
+                      <a:tailEnd type="none" w="med" len="med"/>
+                    </a:lnR>
+                    <a:lnT w="12700" cap="flat" cmpd="sng" algn="ctr">
+                      <a:solidFill>
+                        <a:srgbClr val="000000"/>
+                      </a:solidFill>
+                      <a:prstDash val="solid"/>
+                      <a:round/>
+                      <a:headEnd type="none" w="med" len="med"/>
+                      <a:tailEnd type="none" w="med" len="med"/>
+                    </a:lnT>
+                    <a:lnB w="12700" cap="flat" cmpd="sng" algn="ctr">
+                      <a:solidFill>
+                        <a:srgbClr val="000000"/>
+                      </a:solidFill>
+                      <a:prstDash val="solid"/>
+                      <a:round/>
+                      <a:headEnd type="none" w="med" len="med"/>
+                      <a:tailEnd type="none" w="med" len="med"/>
+                    </a:lnB>
+                    <a:solidFill>
+                      <a:schemeClr val="accent1">
+                        <a:lumMod val="20000"/>
+                        <a:lumOff val="80000"/>
+                      </a:schemeClr>
+                    </a:solidFill>
+                  </a:tcPr>
+                </a:tc>
+                <a:extLst>
+                  <a:ext uri="{0D108BD9-81ED-4DB2-BD59-A6C34878D82A}">
+                    <a16:rowId xmlns:a16="http://schemas.microsoft.com/office/drawing/2014/main" val="1302275305"/>
+                  </a:ext>
+                </a:extLst>
+              </a:tr>
+              <a:tr h="353892">
+                <a:tc>
+                  <a:txBody>
+                    <a:bodyPr/>
+                    <a:lstStyle/>
+                    <a:p>
+                      <a:pPr marL="0" marR="0" algn="l">
+                        <a:lnSpc>
+                          <a:spcPct val="150000"/>
+                        </a:lnSpc>
+                        <a:spcBef>
+                          <a:spcPts val="0"/>
+                        </a:spcBef>
+                        <a:spcAft>
+                          <a:spcPts val="800"/>
+                        </a:spcAft>
+                      </a:pPr>
+                      <a:r>
+                        <a:rPr lang="en-US" sz="1400" dirty="0" smtClean="0">
+                          <a:effectLst/>
+                          <a:latin typeface="Arial" panose="020B0604020202020204" pitchFamily="34" charset="0"/>
+                          <a:ea typeface="Batang" panose="02030600000101010101" pitchFamily="18" charset="-127"/>
+                          <a:cs typeface="Arial" panose="020B0604020202020204" pitchFamily="34" charset="0"/>
+                        </a:rPr>
+                        <a:t>Write page</a:t>
+                      </a:r>
+                      <a:endParaRPr lang="en-US" sz="1400" dirty="0">
+                        <a:effectLst/>
+                        <a:latin typeface="Arial" panose="020B0604020202020204" pitchFamily="34" charset="0"/>
+                        <a:ea typeface="Batang" panose="02030600000101010101" pitchFamily="18" charset="-127"/>
+                        <a:cs typeface="Arial" panose="020B0604020202020204" pitchFamily="34" charset="0"/>
+                      </a:endParaRPr>
+                    </a:p>
+                  </a:txBody>
+                  <a:tcPr marL="51435" marR="51435" marT="26035" marB="26035">
+                    <a:lnL w="12700" cap="flat" cmpd="sng" algn="ctr">
+                      <a:solidFill>
+                        <a:srgbClr val="000000"/>
+                      </a:solidFill>
+                      <a:prstDash val="solid"/>
+                      <a:round/>
+                      <a:headEnd type="none" w="med" len="med"/>
+                      <a:tailEnd type="none" w="med" len="med"/>
+                    </a:lnL>
+                    <a:lnR w="12700" cap="flat" cmpd="sng" algn="ctr">
+                      <a:solidFill>
+                        <a:srgbClr val="000000"/>
+                      </a:solidFill>
+                      <a:prstDash val="solid"/>
+                      <a:round/>
+                      <a:headEnd type="none" w="med" len="med"/>
+                      <a:tailEnd type="none" w="med" len="med"/>
+                    </a:lnR>
+                    <a:lnT w="12700" cap="flat" cmpd="sng" algn="ctr">
+                      <a:solidFill>
+                        <a:srgbClr val="000000"/>
+                      </a:solidFill>
+                      <a:prstDash val="solid"/>
+                      <a:round/>
+                      <a:headEnd type="none" w="med" len="med"/>
+                      <a:tailEnd type="none" w="med" len="med"/>
+                    </a:lnT>
+                    <a:lnB w="12700" cap="flat" cmpd="sng" algn="ctr">
+                      <a:solidFill>
+                        <a:srgbClr val="000000"/>
+                      </a:solidFill>
+                      <a:prstDash val="solid"/>
+                      <a:round/>
+                      <a:headEnd type="none" w="med" len="med"/>
+                      <a:tailEnd type="none" w="med" len="med"/>
+                    </a:lnB>
+                    <a:solidFill>
+                      <a:schemeClr val="accent1">
+                        <a:lumMod val="20000"/>
+                        <a:lumOff val="80000"/>
+                      </a:schemeClr>
+                    </a:solidFill>
+                  </a:tcPr>
+                </a:tc>
+                <a:tc>
+                  <a:txBody>
+                    <a:bodyPr/>
+                    <a:lstStyle/>
+                    <a:p>
+                      <a:pPr marL="0" marR="0" algn="just">
+                        <a:lnSpc>
+                          <a:spcPct val="150000"/>
+                        </a:lnSpc>
+                        <a:spcBef>
+                          <a:spcPts val="0"/>
+                        </a:spcBef>
+                        <a:spcAft>
+                          <a:spcPts val="800"/>
+                        </a:spcAft>
+                      </a:pPr>
+                      <a:r>
+                        <a:rPr lang="en-US" sz="1400" dirty="0" smtClean="0">
+                          <a:effectLst/>
+                          <a:latin typeface="Arial" panose="020B0604020202020204" pitchFamily="34" charset="0"/>
+                          <a:ea typeface="Batang" panose="02030600000101010101" pitchFamily="18" charset="-127"/>
+                          <a:cs typeface="Arial" panose="020B0604020202020204" pitchFamily="34" charset="0"/>
+                        </a:rPr>
+                        <a:t>320us</a:t>
+                      </a:r>
+                    </a:p>
+                  </a:txBody>
+                  <a:tcPr marL="51435" marR="51435" marT="26035" marB="26035">
+                    <a:lnL w="12700" cap="flat" cmpd="sng" algn="ctr">
+                      <a:solidFill>
+                        <a:srgbClr val="000000"/>
+                      </a:solidFill>
+                      <a:prstDash val="solid"/>
+                      <a:round/>
+                      <a:headEnd type="none" w="med" len="med"/>
+                      <a:tailEnd type="none" w="med" len="med"/>
+                    </a:lnL>
+                    <a:lnR w="12700" cap="flat" cmpd="sng" algn="ctr">
+                      <a:solidFill>
+                        <a:srgbClr val="000000"/>
+                      </a:solidFill>
+                      <a:prstDash val="solid"/>
+                      <a:round/>
+                      <a:headEnd type="none" w="med" len="med"/>
+                      <a:tailEnd type="none" w="med" len="med"/>
+                    </a:lnR>
+                    <a:lnT w="12700" cap="flat" cmpd="sng" algn="ctr">
+                      <a:solidFill>
+                        <a:srgbClr val="000000"/>
+                      </a:solidFill>
+                      <a:prstDash val="solid"/>
+                      <a:round/>
+                      <a:headEnd type="none" w="med" len="med"/>
+                      <a:tailEnd type="none" w="med" len="med"/>
+                    </a:lnT>
+                    <a:lnB w="12700" cap="flat" cmpd="sng" algn="ctr">
+                      <a:solidFill>
+                        <a:srgbClr val="000000"/>
+                      </a:solidFill>
+                      <a:prstDash val="solid"/>
+                      <a:round/>
+                      <a:headEnd type="none" w="med" len="med"/>
+                      <a:tailEnd type="none" w="med" len="med"/>
+                    </a:lnB>
+                    <a:solidFill>
+                      <a:schemeClr val="accent1">
+                        <a:lumMod val="20000"/>
+                        <a:lumOff val="80000"/>
+                      </a:schemeClr>
+                    </a:solidFill>
+                  </a:tcPr>
+                </a:tc>
+                <a:extLst>
+                  <a:ext uri="{0D108BD9-81ED-4DB2-BD59-A6C34878D82A}">
+                    <a16:rowId xmlns:a16="http://schemas.microsoft.com/office/drawing/2014/main" val="1815966335"/>
+                  </a:ext>
+                </a:extLst>
+              </a:tr>
+              <a:tr h="353892">
+                <a:tc>
+                  <a:txBody>
+                    <a:bodyPr/>
+                    <a:lstStyle/>
+                    <a:p>
+                      <a:pPr marL="0" marR="0" algn="just">
+                        <a:lnSpc>
+                          <a:spcPct val="150000"/>
+                        </a:lnSpc>
+                        <a:spcBef>
+                          <a:spcPts val="0"/>
+                        </a:spcBef>
+                        <a:spcAft>
+                          <a:spcPts val="800"/>
+                        </a:spcAft>
+                      </a:pPr>
+                      <a:r>
+                        <a:rPr lang="en-US" sz="1400" dirty="0" smtClean="0">
+                          <a:effectLst/>
+                          <a:latin typeface="Arial" panose="020B0604020202020204" pitchFamily="34" charset="0"/>
+                          <a:ea typeface="Batang" panose="02030600000101010101" pitchFamily="18" charset="-127"/>
+                          <a:cs typeface="Arial" panose="020B0604020202020204" pitchFamily="34" charset="0"/>
+                        </a:rPr>
+                        <a:t>Read page</a:t>
+                      </a:r>
+                      <a:endParaRPr lang="en-US" sz="1400" dirty="0">
+                        <a:effectLst/>
+                        <a:latin typeface="Arial" panose="020B0604020202020204" pitchFamily="34" charset="0"/>
+                        <a:ea typeface="Batang" panose="02030600000101010101" pitchFamily="18" charset="-127"/>
+                        <a:cs typeface="Arial" panose="020B0604020202020204" pitchFamily="34" charset="0"/>
+                      </a:endParaRPr>
+                    </a:p>
+                  </a:txBody>
+                  <a:tcPr marL="51435" marR="51435" marT="26035" marB="26035">
+                    <a:lnL w="12700" cap="flat" cmpd="sng" algn="ctr">
+                      <a:solidFill>
+                        <a:srgbClr val="000000"/>
+                      </a:solidFill>
+                      <a:prstDash val="solid"/>
+                      <a:round/>
+                      <a:headEnd type="none" w="med" len="med"/>
+                      <a:tailEnd type="none" w="med" len="med"/>
+                    </a:lnL>
+                    <a:lnR w="12700" cap="flat" cmpd="sng" algn="ctr">
+                      <a:solidFill>
+                        <a:srgbClr val="000000"/>
+                      </a:solidFill>
+                      <a:prstDash val="solid"/>
+                      <a:round/>
+                      <a:headEnd type="none" w="med" len="med"/>
+                      <a:tailEnd type="none" w="med" len="med"/>
+                    </a:lnR>
+                    <a:lnT w="12700" cap="flat" cmpd="sng" algn="ctr">
+                      <a:solidFill>
+                        <a:srgbClr val="000000"/>
+                      </a:solidFill>
+                      <a:prstDash val="solid"/>
+                      <a:round/>
+                      <a:headEnd type="none" w="med" len="med"/>
+                      <a:tailEnd type="none" w="med" len="med"/>
+                    </a:lnT>
+                    <a:lnB w="12700" cap="flat" cmpd="sng" algn="ctr">
+                      <a:solidFill>
+                        <a:srgbClr val="000000"/>
+                      </a:solidFill>
+                      <a:prstDash val="solid"/>
+                      <a:round/>
+                      <a:headEnd type="none" w="med" len="med"/>
+                      <a:tailEnd type="none" w="med" len="med"/>
+                    </a:lnB>
+                    <a:solidFill>
+                      <a:schemeClr val="accent1">
+                        <a:lumMod val="20000"/>
+                        <a:lumOff val="80000"/>
+                      </a:schemeClr>
+                    </a:solidFill>
+                  </a:tcPr>
+                </a:tc>
+                <a:tc>
+                  <a:txBody>
+                    <a:bodyPr/>
+                    <a:lstStyle/>
+                    <a:p>
+                      <a:pPr marL="0" marR="0" algn="just">
+                        <a:lnSpc>
+                          <a:spcPct val="150000"/>
+                        </a:lnSpc>
+                        <a:spcBef>
+                          <a:spcPts val="0"/>
+                        </a:spcBef>
+                        <a:spcAft>
+                          <a:spcPts val="800"/>
+                        </a:spcAft>
+                      </a:pPr>
+                      <a:r>
+                        <a:rPr lang="en-US" sz="1400" dirty="0" smtClean="0">
+                          <a:effectLst/>
+                          <a:latin typeface="Arial" panose="020B0604020202020204" pitchFamily="34" charset="0"/>
+                          <a:ea typeface="Batang" panose="02030600000101010101" pitchFamily="18" charset="-127"/>
+                          <a:cs typeface="Arial" panose="020B0604020202020204" pitchFamily="34" charset="0"/>
+                        </a:rPr>
+                        <a:t>25us</a:t>
+                      </a:r>
+                    </a:p>
+                  </a:txBody>
+                  <a:tcPr marL="51435" marR="51435" marT="26035" marB="26035">
+                    <a:lnL w="12700" cap="flat" cmpd="sng" algn="ctr">
+                      <a:solidFill>
+                        <a:srgbClr val="000000"/>
+                      </a:solidFill>
+                      <a:prstDash val="solid"/>
+                      <a:round/>
+                      <a:headEnd type="none" w="med" len="med"/>
+                      <a:tailEnd type="none" w="med" len="med"/>
+                    </a:lnL>
+                    <a:lnR w="12700" cap="flat" cmpd="sng" algn="ctr">
+                      <a:solidFill>
+                        <a:srgbClr val="000000"/>
+                      </a:solidFill>
+                      <a:prstDash val="solid"/>
+                      <a:round/>
+                      <a:headEnd type="none" w="med" len="med"/>
+                      <a:tailEnd type="none" w="med" len="med"/>
+                    </a:lnR>
+                    <a:lnT w="12700" cap="flat" cmpd="sng" algn="ctr">
+                      <a:solidFill>
+                        <a:srgbClr val="000000"/>
+                      </a:solidFill>
+                      <a:prstDash val="solid"/>
+                      <a:round/>
+                      <a:headEnd type="none" w="med" len="med"/>
+                      <a:tailEnd type="none" w="med" len="med"/>
+                    </a:lnT>
+                    <a:lnB w="12700" cap="flat" cmpd="sng" algn="ctr">
+                      <a:solidFill>
+                        <a:srgbClr val="000000"/>
+                      </a:solidFill>
+                      <a:prstDash val="solid"/>
+                      <a:round/>
+                      <a:headEnd type="none" w="med" len="med"/>
+                      <a:tailEnd type="none" w="med" len="med"/>
+                    </a:lnB>
+                    <a:solidFill>
+                      <a:schemeClr val="accent1">
+                        <a:lumMod val="20000"/>
+                        <a:lumOff val="80000"/>
+                      </a:schemeClr>
+                    </a:solidFill>
+                  </a:tcPr>
+                </a:tc>
+                <a:extLst>
+                  <a:ext uri="{0D108BD9-81ED-4DB2-BD59-A6C34878D82A}">
+                    <a16:rowId xmlns:a16="http://schemas.microsoft.com/office/drawing/2014/main" val="2262933443"/>
+                  </a:ext>
+                </a:extLst>
+              </a:tr>
+            </a:tbl>
+          </a:graphicData>
+        </a:graphic>
+      </p:graphicFrame>
+      <p:sp>
+        <p:nvSpPr>
+          <p:cNvPr id="5" name="Rectangle 4"/>
           <p:cNvSpPr/>
           <p:nvPr/>
         </p:nvSpPr>
@@ -6270,7 +7596,7 @@
     </p:spTree>
     <p:extLst>
       <p:ext uri="{BB962C8B-B14F-4D97-AF65-F5344CB8AC3E}">
-        <p14:creationId xmlns:p14="http://schemas.microsoft.com/office/powerpoint/2010/main" val="2963136555"/>
+        <p14:creationId xmlns:p14="http://schemas.microsoft.com/office/powerpoint/2010/main" val="1777090186"/>
       </p:ext>
     </p:extLst>
   </p:cSld>
@@ -8072,11 +9398,18 @@
           <a:lstStyle/>
           <a:p>
             <a:r>
+              <a:rPr lang="en-US" sz="1400" b="1" smtClean="0">
+                <a:latin typeface="Times New Roman" panose="02020603050405020304" pitchFamily="18" charset="0"/>
+                <a:cs typeface="Times New Roman" panose="02020603050405020304" pitchFamily="18" charset="0"/>
+              </a:rPr>
+              <a:t>(test </a:t>
+            </a:r>
+            <a:r>
               <a:rPr lang="en-US" sz="1400" b="1" dirty="0" smtClean="0">
                 <a:latin typeface="Times New Roman" panose="02020603050405020304" pitchFamily="18" charset="0"/>
                 <a:cs typeface="Times New Roman" panose="02020603050405020304" pitchFamily="18" charset="0"/>
               </a:rPr>
-              <a:t>UUT (test bench)</a:t>
+              <a:t>bench)</a:t>
             </a:r>
             <a:endParaRPr lang="en-US" sz="1400" b="1" dirty="0">
               <a:latin typeface="Times New Roman" panose="02020603050405020304" pitchFamily="18" charset="0"/>
@@ -9478,7 +10811,7 @@
                 <a:latin typeface="Times New Roman" panose="02020603050405020304" pitchFamily="18" charset="0"/>
                 <a:cs typeface="Times New Roman" panose="02020603050405020304" pitchFamily="18" charset="0"/>
               </a:rPr>
-              <a:t>UUT (test bench)</a:t>
+              <a:t>(test bench)</a:t>
             </a:r>
             <a:endParaRPr lang="en-US" sz="1400" b="1" dirty="0">
               <a:latin typeface="Times New Roman" panose="02020603050405020304" pitchFamily="18" charset="0"/>
@@ -10057,42 +11390,6 @@
           </a:fontRef>
         </p:style>
       </p:cxnSp>
-      <p:sp>
-        <p:nvSpPr>
-          <p:cNvPr id="44" name="TextBox 43"/>
-          <p:cNvSpPr txBox="1"/>
-          <p:nvPr/>
-        </p:nvSpPr>
-        <p:spPr>
-          <a:xfrm>
-            <a:off x="5924168" y="2813460"/>
-            <a:ext cx="1001800" cy="307777"/>
-          </a:xfrm>
-          <a:prstGeom prst="rect">
-            <a:avLst/>
-          </a:prstGeom>
-          <a:noFill/>
-        </p:spPr>
-        <p:txBody>
-          <a:bodyPr wrap="square" rtlCol="0">
-            <a:spAutoFit/>
-          </a:bodyPr>
-          <a:lstStyle/>
-          <a:p>
-            <a:r>
-              <a:rPr lang="en-US" sz="1400" dirty="0" err="1" smtClean="0">
-                <a:latin typeface="Times New Roman" panose="02020603050405020304" pitchFamily="18" charset="0"/>
-                <a:cs typeface="Times New Roman" panose="02020603050405020304" pitchFamily="18" charset="0"/>
-              </a:rPr>
-              <a:t>cmd_add</a:t>
-            </a:r>
-            <a:endParaRPr lang="en-US" sz="1400" dirty="0">
-              <a:latin typeface="Times New Roman" panose="02020603050405020304" pitchFamily="18" charset="0"/>
-              <a:cs typeface="Times New Roman" panose="02020603050405020304" pitchFamily="18" charset="0"/>
-            </a:endParaRPr>
-          </a:p>
-        </p:txBody>
-      </p:sp>
       <p:sp>
         <p:nvSpPr>
           <p:cNvPr id="45" name="TextBox 44"/>
@@ -14292,7 +15589,7 @@
                 <a:latin typeface="Times New Roman" panose="02020603050405020304" pitchFamily="18" charset="0"/>
                 <a:cs typeface="Times New Roman" panose="02020603050405020304" pitchFamily="18" charset="0"/>
               </a:rPr>
-              <a:t>Interface Specifications </a:t>
+              <a:t>Asynchronous Interface Timing Diagram</a:t>
             </a:r>
             <a:endParaRPr lang="en-US" sz="1400" b="1" dirty="0">
               <a:latin typeface="Times New Roman" panose="02020603050405020304" pitchFamily="18" charset="0"/>
@@ -14301,1353 +15598,33 @@
           </a:p>
         </p:txBody>
       </p:sp>
-      <p:graphicFrame>
-        <p:nvGraphicFramePr>
-          <p:cNvPr id="6" name="Table 5"/>
-          <p:cNvGraphicFramePr>
-            <a:graphicFrameLocks noGrp="1"/>
-          </p:cNvGraphicFramePr>
-          <p:nvPr>
-            <p:extLst>
-              <p:ext uri="{D42A27DB-BD31-4B8C-83A1-F6EECF244321}">
-                <p14:modId xmlns:p14="http://schemas.microsoft.com/office/powerpoint/2010/main" val="4069660678"/>
-              </p:ext>
-            </p:extLst>
-          </p:nvPr>
-        </p:nvGraphicFramePr>
-        <p:xfrm>
-          <a:off x="4352587" y="2444876"/>
-          <a:ext cx="3208042" cy="2976880"/>
-        </p:xfrm>
-        <a:graphic>
-          <a:graphicData uri="http://schemas.openxmlformats.org/drawingml/2006/table">
-            <a:tbl>
-              <a:tblPr firstRow="1" bandRow="1"/>
-              <a:tblGrid>
-                <a:gridCol w="1709065">
-                  <a:extLst>
-                    <a:ext uri="{9D8B030D-6E8A-4147-A177-3AD203B41FA5}">
-                      <a16:colId xmlns:a16="http://schemas.microsoft.com/office/drawing/2014/main" val="2668372786"/>
-                    </a:ext>
-                  </a:extLst>
-                </a:gridCol>
-                <a:gridCol w="1498977">
-                  <a:extLst>
-                    <a:ext uri="{9D8B030D-6E8A-4147-A177-3AD203B41FA5}">
-                      <a16:colId xmlns:a16="http://schemas.microsoft.com/office/drawing/2014/main" val="2232263924"/>
-                    </a:ext>
-                  </a:extLst>
-                </a:gridCol>
-              </a:tblGrid>
-              <a:tr h="348200">
-                <a:tc gridSpan="2">
-                  <a:txBody>
-                    <a:bodyPr/>
-                    <a:lstStyle/>
-                    <a:p>
-                      <a:pPr marL="0" marR="0" algn="just">
-                        <a:lnSpc>
-                          <a:spcPct val="150000"/>
-                        </a:lnSpc>
-                        <a:spcBef>
-                          <a:spcPts val="0"/>
-                        </a:spcBef>
-                        <a:spcAft>
-                          <a:spcPts val="800"/>
-                        </a:spcAft>
-                      </a:pPr>
-                      <a:r>
-                        <a:rPr lang="en-US" sz="1400" b="1" dirty="0" smtClean="0">
-                          <a:effectLst/>
-                          <a:latin typeface="Arial" panose="020B0604020202020204" pitchFamily="34" charset="0"/>
-                          <a:ea typeface="Batang" panose="02030600000101010101" pitchFamily="18" charset="-127"/>
-                          <a:cs typeface="Arial" panose="020B0604020202020204" pitchFamily="34" charset="0"/>
-                        </a:rPr>
-                        <a:t>Specifications</a:t>
-                      </a:r>
-                      <a:endParaRPr lang="en-US" sz="1400" b="1" dirty="0">
-                        <a:effectLst/>
-                        <a:latin typeface="Arial" panose="020B0604020202020204" pitchFamily="34" charset="0"/>
-                        <a:ea typeface="Batang" panose="02030600000101010101" pitchFamily="18" charset="-127"/>
-                        <a:cs typeface="Arial" panose="020B0604020202020204" pitchFamily="34" charset="0"/>
-                      </a:endParaRPr>
-                    </a:p>
-                  </a:txBody>
-                  <a:tcPr marL="51435" marR="51435" marT="26035" marB="26035">
-                    <a:lnL w="12700" cap="flat" cmpd="sng" algn="ctr">
-                      <a:solidFill>
-                        <a:srgbClr val="000000"/>
-                      </a:solidFill>
-                      <a:prstDash val="solid"/>
-                      <a:round/>
-                      <a:headEnd type="none" w="med" len="med"/>
-                      <a:tailEnd type="none" w="med" len="med"/>
-                    </a:lnL>
-                    <a:lnR w="12700" cap="flat" cmpd="sng" algn="ctr">
-                      <a:solidFill>
-                        <a:srgbClr val="000000"/>
-                      </a:solidFill>
-                      <a:prstDash val="solid"/>
-                      <a:round/>
-                      <a:headEnd type="none" w="med" len="med"/>
-                      <a:tailEnd type="none" w="med" len="med"/>
-                    </a:lnR>
-                    <a:lnT w="12700" cap="flat" cmpd="sng" algn="ctr">
-                      <a:solidFill>
-                        <a:srgbClr val="000000"/>
-                      </a:solidFill>
-                      <a:prstDash val="solid"/>
-                      <a:round/>
-                      <a:headEnd type="none" w="med" len="med"/>
-                      <a:tailEnd type="none" w="med" len="med"/>
-                    </a:lnT>
-                    <a:lnB w="12700" cap="flat" cmpd="sng" algn="ctr">
-                      <a:solidFill>
-                        <a:srgbClr val="000000"/>
-                      </a:solidFill>
-                      <a:prstDash val="solid"/>
-                      <a:round/>
-                      <a:headEnd type="none" w="med" len="med"/>
-                      <a:tailEnd type="none" w="med" len="med"/>
-                    </a:lnB>
-                    <a:solidFill>
-                      <a:schemeClr val="accent4">
-                        <a:lumMod val="40000"/>
-                        <a:lumOff val="60000"/>
-                      </a:schemeClr>
-                    </a:solidFill>
-                  </a:tcPr>
-                </a:tc>
-                <a:tc hMerge="1">
-                  <a:txBody>
-                    <a:bodyPr/>
-                    <a:lstStyle/>
-                    <a:p>
-                      <a:pPr marL="0" marR="0" algn="just">
-                        <a:lnSpc>
-                          <a:spcPct val="150000"/>
-                        </a:lnSpc>
-                        <a:spcBef>
-                          <a:spcPts val="0"/>
-                        </a:spcBef>
-                        <a:spcAft>
-                          <a:spcPts val="800"/>
-                        </a:spcAft>
-                      </a:pPr>
-                      <a:endParaRPr lang="en-US" sz="1000" b="1" dirty="0">
-                        <a:effectLst/>
-                        <a:latin typeface="Arial" panose="020B0604020202020204" pitchFamily="34" charset="0"/>
-                        <a:ea typeface="Batang" panose="02030600000101010101" pitchFamily="18" charset="-127"/>
-                        <a:cs typeface="Arial" panose="020B0604020202020204" pitchFamily="34" charset="0"/>
-                      </a:endParaRPr>
-                    </a:p>
-                  </a:txBody>
-                  <a:tcPr marL="51435" marR="51435" marT="26035" marB="26035">
-                    <a:lnL w="12700" cap="flat" cmpd="sng" algn="ctr">
-                      <a:solidFill>
-                        <a:srgbClr val="000000"/>
-                      </a:solidFill>
-                      <a:prstDash val="solid"/>
-                      <a:round/>
-                      <a:headEnd type="none" w="med" len="med"/>
-                      <a:tailEnd type="none" w="med" len="med"/>
-                    </a:lnL>
-                    <a:lnR w="12700" cap="flat" cmpd="sng" algn="ctr">
-                      <a:solidFill>
-                        <a:srgbClr val="000000"/>
-                      </a:solidFill>
-                      <a:prstDash val="solid"/>
-                      <a:round/>
-                      <a:headEnd type="none" w="med" len="med"/>
-                      <a:tailEnd type="none" w="med" len="med"/>
-                    </a:lnR>
-                    <a:lnT w="12700" cap="flat" cmpd="sng" algn="ctr">
-                      <a:solidFill>
-                        <a:srgbClr val="000000"/>
-                      </a:solidFill>
-                      <a:prstDash val="solid"/>
-                      <a:round/>
-                      <a:headEnd type="none" w="med" len="med"/>
-                      <a:tailEnd type="none" w="med" len="med"/>
-                    </a:lnT>
-                    <a:lnB w="12700" cap="flat" cmpd="sng" algn="ctr">
-                      <a:solidFill>
-                        <a:srgbClr val="000000"/>
-                      </a:solidFill>
-                      <a:prstDash val="solid"/>
-                      <a:round/>
-                      <a:headEnd type="none" w="med" len="med"/>
-                      <a:tailEnd type="none" w="med" len="med"/>
-                    </a:lnB>
-                    <a:noFill/>
-                  </a:tcPr>
-                </a:tc>
-                <a:extLst>
-                  <a:ext uri="{0D108BD9-81ED-4DB2-BD59-A6C34878D82A}">
-                    <a16:rowId xmlns:a16="http://schemas.microsoft.com/office/drawing/2014/main" val="3341160746"/>
-                  </a:ext>
-                </a:extLst>
-              </a:tr>
-              <a:tr h="353892">
-                <a:tc>
-                  <a:txBody>
-                    <a:bodyPr/>
-                    <a:lstStyle/>
-                    <a:p>
-                      <a:pPr marL="0" marR="0" algn="just">
-                        <a:lnSpc>
-                          <a:spcPct val="150000"/>
-                        </a:lnSpc>
-                        <a:spcBef>
-                          <a:spcPts val="0"/>
-                        </a:spcBef>
-                        <a:spcAft>
-                          <a:spcPts val="800"/>
-                        </a:spcAft>
-                      </a:pPr>
-                      <a:r>
-                        <a:rPr lang="en-US" sz="1400" dirty="0" smtClean="0">
-                          <a:effectLst/>
-                          <a:latin typeface="Arial" panose="020B0604020202020204" pitchFamily="34" charset="0"/>
-                          <a:ea typeface="Batang" panose="02030600000101010101" pitchFamily="18" charset="-127"/>
-                          <a:cs typeface="Arial" panose="020B0604020202020204" pitchFamily="34" charset="0"/>
-                        </a:rPr>
-                        <a:t>Interface</a:t>
-                      </a:r>
-                      <a:endParaRPr lang="en-US" sz="1400" dirty="0">
-                        <a:effectLst/>
-                        <a:latin typeface="Arial" panose="020B0604020202020204" pitchFamily="34" charset="0"/>
-                        <a:ea typeface="Batang" panose="02030600000101010101" pitchFamily="18" charset="-127"/>
-                        <a:cs typeface="Arial" panose="020B0604020202020204" pitchFamily="34" charset="0"/>
-                      </a:endParaRPr>
-                    </a:p>
-                  </a:txBody>
-                  <a:tcPr marL="51435" marR="51435" marT="26035" marB="26035">
-                    <a:lnL w="12700" cap="flat" cmpd="sng" algn="ctr">
-                      <a:solidFill>
-                        <a:srgbClr val="000000"/>
-                      </a:solidFill>
-                      <a:prstDash val="solid"/>
-                      <a:round/>
-                      <a:headEnd type="none" w="med" len="med"/>
-                      <a:tailEnd type="none" w="med" len="med"/>
-                    </a:lnL>
-                    <a:lnR w="12700" cap="flat" cmpd="sng" algn="ctr">
-                      <a:solidFill>
-                        <a:srgbClr val="000000"/>
-                      </a:solidFill>
-                      <a:prstDash val="solid"/>
-                      <a:round/>
-                      <a:headEnd type="none" w="med" len="med"/>
-                      <a:tailEnd type="none" w="med" len="med"/>
-                    </a:lnR>
-                    <a:lnT w="12700" cap="flat" cmpd="sng" algn="ctr">
-                      <a:solidFill>
-                        <a:srgbClr val="000000"/>
-                      </a:solidFill>
-                      <a:prstDash val="solid"/>
-                      <a:round/>
-                      <a:headEnd type="none" w="med" len="med"/>
-                      <a:tailEnd type="none" w="med" len="med"/>
-                    </a:lnT>
-                    <a:lnB w="12700" cap="flat" cmpd="sng" algn="ctr">
-                      <a:solidFill>
-                        <a:srgbClr val="000000"/>
-                      </a:solidFill>
-                      <a:prstDash val="solid"/>
-                      <a:round/>
-                      <a:headEnd type="none" w="med" len="med"/>
-                      <a:tailEnd type="none" w="med" len="med"/>
-                    </a:lnB>
-                    <a:solidFill>
-                      <a:schemeClr val="accent1">
-                        <a:lumMod val="20000"/>
-                        <a:lumOff val="80000"/>
-                      </a:schemeClr>
-                    </a:solidFill>
-                  </a:tcPr>
-                </a:tc>
-                <a:tc>
-                  <a:txBody>
-                    <a:bodyPr/>
-                    <a:lstStyle/>
-                    <a:p>
-                      <a:pPr marL="0" marR="0" indent="0" algn="just" defTabSz="914400" rtl="0" eaLnBrk="1" fontAlgn="auto" latinLnBrk="0" hangingPunct="1">
-                        <a:lnSpc>
-                          <a:spcPct val="150000"/>
-                        </a:lnSpc>
-                        <a:spcBef>
-                          <a:spcPts val="0"/>
-                        </a:spcBef>
-                        <a:spcAft>
-                          <a:spcPts val="800"/>
-                        </a:spcAft>
-                        <a:buClrTx/>
-                        <a:buSzTx/>
-                        <a:buFontTx/>
-                        <a:buNone/>
-                        <a:tabLst/>
-                        <a:defRPr/>
-                      </a:pPr>
-                      <a:r>
-                        <a:rPr lang="en-US" sz="1400" dirty="0" smtClean="0">
-                          <a:effectLst/>
-                          <a:latin typeface="Arial" panose="020B0604020202020204" pitchFamily="34" charset="0"/>
-                          <a:ea typeface="Batang" panose="02030600000101010101" pitchFamily="18" charset="-127"/>
-                          <a:cs typeface="Arial" panose="020B0604020202020204" pitchFamily="34" charset="0"/>
-                        </a:rPr>
-                        <a:t>Asynchronous</a:t>
-                      </a:r>
-                    </a:p>
-                  </a:txBody>
-                  <a:tcPr marL="51435" marR="51435" marT="26035" marB="26035">
-                    <a:lnL w="12700" cap="flat" cmpd="sng" algn="ctr">
-                      <a:solidFill>
-                        <a:srgbClr val="000000"/>
-                      </a:solidFill>
-                      <a:prstDash val="solid"/>
-                      <a:round/>
-                      <a:headEnd type="none" w="med" len="med"/>
-                      <a:tailEnd type="none" w="med" len="med"/>
-                    </a:lnL>
-                    <a:lnR w="12700" cap="flat" cmpd="sng" algn="ctr">
-                      <a:solidFill>
-                        <a:srgbClr val="000000"/>
-                      </a:solidFill>
-                      <a:prstDash val="solid"/>
-                      <a:round/>
-                      <a:headEnd type="none" w="med" len="med"/>
-                      <a:tailEnd type="none" w="med" len="med"/>
-                    </a:lnR>
-                    <a:lnT w="12700" cap="flat" cmpd="sng" algn="ctr">
-                      <a:solidFill>
-                        <a:srgbClr val="000000"/>
-                      </a:solidFill>
-                      <a:prstDash val="solid"/>
-                      <a:round/>
-                      <a:headEnd type="none" w="med" len="med"/>
-                      <a:tailEnd type="none" w="med" len="med"/>
-                    </a:lnT>
-                    <a:lnB w="12700" cap="flat" cmpd="sng" algn="ctr">
-                      <a:solidFill>
-                        <a:srgbClr val="000000"/>
-                      </a:solidFill>
-                      <a:prstDash val="solid"/>
-                      <a:round/>
-                      <a:headEnd type="none" w="med" len="med"/>
-                      <a:tailEnd type="none" w="med" len="med"/>
-                    </a:lnB>
-                    <a:solidFill>
-                      <a:schemeClr val="accent1">
-                        <a:lumMod val="20000"/>
-                        <a:lumOff val="80000"/>
-                      </a:schemeClr>
-                    </a:solidFill>
-                  </a:tcPr>
-                </a:tc>
-                <a:extLst>
-                  <a:ext uri="{0D108BD9-81ED-4DB2-BD59-A6C34878D82A}">
-                    <a16:rowId xmlns:a16="http://schemas.microsoft.com/office/drawing/2014/main" val="3013784375"/>
-                  </a:ext>
-                </a:extLst>
-              </a:tr>
-              <a:tr h="351246">
-                <a:tc>
-                  <a:txBody>
-                    <a:bodyPr/>
-                    <a:lstStyle/>
-                    <a:p>
-                      <a:pPr marL="0" marR="0" algn="just">
-                        <a:lnSpc>
-                          <a:spcPct val="150000"/>
-                        </a:lnSpc>
-                        <a:spcBef>
-                          <a:spcPts val="0"/>
-                        </a:spcBef>
-                        <a:spcAft>
-                          <a:spcPts val="800"/>
-                        </a:spcAft>
-                      </a:pPr>
-                      <a:r>
-                        <a:rPr lang="en-US" sz="1400" dirty="0" smtClean="0">
-                          <a:effectLst/>
-                          <a:latin typeface="Arial" panose="020B0604020202020204" pitchFamily="34" charset="0"/>
-                          <a:ea typeface="Batang" panose="02030600000101010101" pitchFamily="18" charset="-127"/>
-                          <a:cs typeface="Arial" panose="020B0604020202020204" pitchFamily="34" charset="0"/>
-                        </a:rPr>
-                        <a:t>System Clock</a:t>
-                      </a:r>
-                      <a:endParaRPr lang="en-US" sz="1400" dirty="0">
-                        <a:effectLst/>
-                        <a:latin typeface="Arial" panose="020B0604020202020204" pitchFamily="34" charset="0"/>
-                        <a:ea typeface="Batang" panose="02030600000101010101" pitchFamily="18" charset="-127"/>
-                        <a:cs typeface="Arial" panose="020B0604020202020204" pitchFamily="34" charset="0"/>
-                      </a:endParaRPr>
-                    </a:p>
-                  </a:txBody>
-                  <a:tcPr marL="51435" marR="51435" marT="26035" marB="26035">
-                    <a:lnL w="12700" cap="flat" cmpd="sng" algn="ctr">
-                      <a:solidFill>
-                        <a:srgbClr val="000000"/>
-                      </a:solidFill>
-                      <a:prstDash val="solid"/>
-                      <a:round/>
-                      <a:headEnd type="none" w="med" len="med"/>
-                      <a:tailEnd type="none" w="med" len="med"/>
-                    </a:lnL>
-                    <a:lnR w="12700" cap="flat" cmpd="sng" algn="ctr">
-                      <a:solidFill>
-                        <a:srgbClr val="000000"/>
-                      </a:solidFill>
-                      <a:prstDash val="solid"/>
-                      <a:round/>
-                      <a:headEnd type="none" w="med" len="med"/>
-                      <a:tailEnd type="none" w="med" len="med"/>
-                    </a:lnR>
-                    <a:lnT w="12700" cap="flat" cmpd="sng" algn="ctr">
-                      <a:solidFill>
-                        <a:srgbClr val="000000"/>
-                      </a:solidFill>
-                      <a:prstDash val="solid"/>
-                      <a:round/>
-                      <a:headEnd type="none" w="med" len="med"/>
-                      <a:tailEnd type="none" w="med" len="med"/>
-                    </a:lnT>
-                    <a:lnB w="12700" cap="flat" cmpd="sng" algn="ctr">
-                      <a:solidFill>
-                        <a:srgbClr val="000000"/>
-                      </a:solidFill>
-                      <a:prstDash val="solid"/>
-                      <a:round/>
-                      <a:headEnd type="none" w="med" len="med"/>
-                      <a:tailEnd type="none" w="med" len="med"/>
-                    </a:lnB>
-                    <a:solidFill>
-                      <a:schemeClr val="accent1">
-                        <a:lumMod val="20000"/>
-                        <a:lumOff val="80000"/>
-                      </a:schemeClr>
-                    </a:solidFill>
-                  </a:tcPr>
-                </a:tc>
-                <a:tc>
-                  <a:txBody>
-                    <a:bodyPr/>
-                    <a:lstStyle/>
-                    <a:p>
-                      <a:pPr marL="0" marR="0" indent="0" algn="just" defTabSz="914400" rtl="0" eaLnBrk="1" fontAlgn="auto" latinLnBrk="0" hangingPunct="1">
-                        <a:lnSpc>
-                          <a:spcPct val="150000"/>
-                        </a:lnSpc>
-                        <a:spcBef>
-                          <a:spcPts val="0"/>
-                        </a:spcBef>
-                        <a:spcAft>
-                          <a:spcPts val="800"/>
-                        </a:spcAft>
-                        <a:buClrTx/>
-                        <a:buSzTx/>
-                        <a:buFontTx/>
-                        <a:buNone/>
-                        <a:tabLst/>
-                        <a:defRPr/>
-                      </a:pPr>
-                      <a:r>
-                        <a:rPr lang="en-US" sz="1400" dirty="0" smtClean="0">
-                          <a:effectLst/>
-                          <a:latin typeface="Arial" panose="020B0604020202020204" pitchFamily="34" charset="0"/>
-                          <a:ea typeface="Batang" panose="02030600000101010101" pitchFamily="18" charset="-127"/>
-                          <a:cs typeface="Arial" panose="020B0604020202020204" pitchFamily="34" charset="0"/>
-                        </a:rPr>
-                        <a:t>1Mhz</a:t>
-                      </a:r>
-                    </a:p>
-                  </a:txBody>
-                  <a:tcPr marL="51435" marR="51435" marT="26035" marB="26035">
-                    <a:lnL w="12700" cap="flat" cmpd="sng" algn="ctr">
-                      <a:solidFill>
-                        <a:srgbClr val="000000"/>
-                      </a:solidFill>
-                      <a:prstDash val="solid"/>
-                      <a:round/>
-                      <a:headEnd type="none" w="med" len="med"/>
-                      <a:tailEnd type="none" w="med" len="med"/>
-                    </a:lnL>
-                    <a:lnR w="12700" cap="flat" cmpd="sng" algn="ctr">
-                      <a:solidFill>
-                        <a:srgbClr val="000000"/>
-                      </a:solidFill>
-                      <a:prstDash val="solid"/>
-                      <a:round/>
-                      <a:headEnd type="none" w="med" len="med"/>
-                      <a:tailEnd type="none" w="med" len="med"/>
-                    </a:lnR>
-                    <a:lnT w="12700" cap="flat" cmpd="sng" algn="ctr">
-                      <a:solidFill>
-                        <a:srgbClr val="000000"/>
-                      </a:solidFill>
-                      <a:prstDash val="solid"/>
-                      <a:round/>
-                      <a:headEnd type="none" w="med" len="med"/>
-                      <a:tailEnd type="none" w="med" len="med"/>
-                    </a:lnT>
-                    <a:lnB w="12700" cap="flat" cmpd="sng" algn="ctr">
-                      <a:solidFill>
-                        <a:srgbClr val="000000"/>
-                      </a:solidFill>
-                      <a:prstDash val="solid"/>
-                      <a:round/>
-                      <a:headEnd type="none" w="med" len="med"/>
-                      <a:tailEnd type="none" w="med" len="med"/>
-                    </a:lnB>
-                    <a:solidFill>
-                      <a:schemeClr val="accent1">
-                        <a:lumMod val="20000"/>
-                        <a:lumOff val="80000"/>
-                      </a:schemeClr>
-                    </a:solidFill>
-                  </a:tcPr>
-                </a:tc>
-                <a:extLst>
-                  <a:ext uri="{0D108BD9-81ED-4DB2-BD59-A6C34878D82A}">
-                    <a16:rowId xmlns:a16="http://schemas.microsoft.com/office/drawing/2014/main" val="1300794617"/>
-                  </a:ext>
-                </a:extLst>
-              </a:tr>
-              <a:tr h="351246">
-                <a:tc>
-                  <a:txBody>
-                    <a:bodyPr/>
-                    <a:lstStyle/>
-                    <a:p>
-                      <a:pPr marL="0" marR="0" algn="just">
-                        <a:lnSpc>
-                          <a:spcPct val="150000"/>
-                        </a:lnSpc>
-                        <a:spcBef>
-                          <a:spcPts val="0"/>
-                        </a:spcBef>
-                        <a:spcAft>
-                          <a:spcPts val="800"/>
-                        </a:spcAft>
-                      </a:pPr>
-                      <a:r>
-                        <a:rPr lang="en-US" sz="1400" dirty="0" smtClean="0">
-                          <a:effectLst/>
-                          <a:latin typeface="Arial" panose="020B0604020202020204" pitchFamily="34" charset="0"/>
-                          <a:ea typeface="Batang" panose="02030600000101010101" pitchFamily="18" charset="-127"/>
-                          <a:cs typeface="Arial" panose="020B0604020202020204" pitchFamily="34" charset="0"/>
-                        </a:rPr>
-                        <a:t>Device Clock</a:t>
-                      </a:r>
-                      <a:endParaRPr lang="en-US" sz="1400" dirty="0">
-                        <a:effectLst/>
-                        <a:latin typeface="Arial" panose="020B0604020202020204" pitchFamily="34" charset="0"/>
-                        <a:ea typeface="Batang" panose="02030600000101010101" pitchFamily="18" charset="-127"/>
-                        <a:cs typeface="Arial" panose="020B0604020202020204" pitchFamily="34" charset="0"/>
-                      </a:endParaRPr>
-                    </a:p>
-                  </a:txBody>
-                  <a:tcPr marL="51435" marR="51435" marT="26035" marB="26035">
-                    <a:lnL w="12700" cap="flat" cmpd="sng" algn="ctr">
-                      <a:solidFill>
-                        <a:srgbClr val="000000"/>
-                      </a:solidFill>
-                      <a:prstDash val="solid"/>
-                      <a:round/>
-                      <a:headEnd type="none" w="med" len="med"/>
-                      <a:tailEnd type="none" w="med" len="med"/>
-                    </a:lnL>
-                    <a:lnR w="12700" cap="flat" cmpd="sng" algn="ctr">
-                      <a:solidFill>
-                        <a:srgbClr val="000000"/>
-                      </a:solidFill>
-                      <a:prstDash val="solid"/>
-                      <a:round/>
-                      <a:headEnd type="none" w="med" len="med"/>
-                      <a:tailEnd type="none" w="med" len="med"/>
-                    </a:lnR>
-                    <a:lnT w="12700" cap="flat" cmpd="sng" algn="ctr">
-                      <a:solidFill>
-                        <a:srgbClr val="000000"/>
-                      </a:solidFill>
-                      <a:prstDash val="solid"/>
-                      <a:round/>
-                      <a:headEnd type="none" w="med" len="med"/>
-                      <a:tailEnd type="none" w="med" len="med"/>
-                    </a:lnT>
-                    <a:lnB w="12700" cap="flat" cmpd="sng" algn="ctr">
-                      <a:solidFill>
-                        <a:srgbClr val="000000"/>
-                      </a:solidFill>
-                      <a:prstDash val="solid"/>
-                      <a:round/>
-                      <a:headEnd type="none" w="med" len="med"/>
-                      <a:tailEnd type="none" w="med" len="med"/>
-                    </a:lnB>
-                    <a:solidFill>
-                      <a:schemeClr val="accent1">
-                        <a:lumMod val="20000"/>
-                        <a:lumOff val="80000"/>
-                      </a:schemeClr>
-                    </a:solidFill>
-                  </a:tcPr>
-                </a:tc>
-                <a:tc>
-                  <a:txBody>
-                    <a:bodyPr/>
-                    <a:lstStyle/>
-                    <a:p>
-                      <a:pPr marL="0" marR="0" algn="just">
-                        <a:lnSpc>
-                          <a:spcPct val="150000"/>
-                        </a:lnSpc>
-                        <a:spcBef>
-                          <a:spcPts val="0"/>
-                        </a:spcBef>
-                        <a:spcAft>
-                          <a:spcPts val="800"/>
-                        </a:spcAft>
-                      </a:pPr>
-                      <a:r>
-                        <a:rPr lang="en-US" sz="1400" dirty="0" smtClean="0">
-                          <a:effectLst/>
-                          <a:latin typeface="Arial" panose="020B0604020202020204" pitchFamily="34" charset="0"/>
-                          <a:ea typeface="Batang" panose="02030600000101010101" pitchFamily="18" charset="-127"/>
-                          <a:cs typeface="Arial" panose="020B0604020202020204" pitchFamily="34" charset="0"/>
-                        </a:rPr>
-                        <a:t>10Mhz</a:t>
-                      </a:r>
-                      <a:endParaRPr lang="en-US" sz="1400" dirty="0">
-                        <a:effectLst/>
-                        <a:latin typeface="Arial" panose="020B0604020202020204" pitchFamily="34" charset="0"/>
-                        <a:ea typeface="Batang" panose="02030600000101010101" pitchFamily="18" charset="-127"/>
-                        <a:cs typeface="Arial" panose="020B0604020202020204" pitchFamily="34" charset="0"/>
-                      </a:endParaRPr>
-                    </a:p>
-                  </a:txBody>
-                  <a:tcPr marL="51435" marR="51435" marT="26035" marB="26035">
-                    <a:lnL w="12700" cap="flat" cmpd="sng" algn="ctr">
-                      <a:solidFill>
-                        <a:srgbClr val="000000"/>
-                      </a:solidFill>
-                      <a:prstDash val="solid"/>
-                      <a:round/>
-                      <a:headEnd type="none" w="med" len="med"/>
-                      <a:tailEnd type="none" w="med" len="med"/>
-                    </a:lnL>
-                    <a:lnR w="12700" cap="flat" cmpd="sng" algn="ctr">
-                      <a:solidFill>
-                        <a:srgbClr val="000000"/>
-                      </a:solidFill>
-                      <a:prstDash val="solid"/>
-                      <a:round/>
-                      <a:headEnd type="none" w="med" len="med"/>
-                      <a:tailEnd type="none" w="med" len="med"/>
-                    </a:lnR>
-                    <a:lnT w="12700" cap="flat" cmpd="sng" algn="ctr">
-                      <a:solidFill>
-                        <a:srgbClr val="000000"/>
-                      </a:solidFill>
-                      <a:prstDash val="solid"/>
-                      <a:round/>
-                      <a:headEnd type="none" w="med" len="med"/>
-                      <a:tailEnd type="none" w="med" len="med"/>
-                    </a:lnT>
-                    <a:lnB w="12700" cap="flat" cmpd="sng" algn="ctr">
-                      <a:solidFill>
-                        <a:srgbClr val="000000"/>
-                      </a:solidFill>
-                      <a:prstDash val="solid"/>
-                      <a:round/>
-                      <a:headEnd type="none" w="med" len="med"/>
-                      <a:tailEnd type="none" w="med" len="med"/>
-                    </a:lnB>
-                    <a:solidFill>
-                      <a:schemeClr val="accent1">
-                        <a:lumMod val="20000"/>
-                        <a:lumOff val="80000"/>
-                      </a:schemeClr>
-                    </a:solidFill>
-                  </a:tcPr>
-                </a:tc>
-                <a:extLst>
-                  <a:ext uri="{0D108BD9-81ED-4DB2-BD59-A6C34878D82A}">
-                    <a16:rowId xmlns:a16="http://schemas.microsoft.com/office/drawing/2014/main" val="2771345507"/>
-                  </a:ext>
-                </a:extLst>
-              </a:tr>
-              <a:tr h="351246">
-                <a:tc>
-                  <a:txBody>
-                    <a:bodyPr/>
-                    <a:lstStyle/>
-                    <a:p>
-                      <a:pPr marL="0" marR="0" indent="0" algn="just" defTabSz="914400" rtl="0" eaLnBrk="1" fontAlgn="auto" latinLnBrk="0" hangingPunct="1">
-                        <a:lnSpc>
-                          <a:spcPct val="150000"/>
-                        </a:lnSpc>
-                        <a:spcBef>
-                          <a:spcPts val="0"/>
-                        </a:spcBef>
-                        <a:spcAft>
-                          <a:spcPts val="800"/>
-                        </a:spcAft>
-                        <a:buClrTx/>
-                        <a:buSzTx/>
-                        <a:buFontTx/>
-                        <a:buNone/>
-                        <a:tabLst/>
-                        <a:defRPr/>
-                      </a:pPr>
-                      <a:r>
-                        <a:rPr lang="en-US" sz="1400" dirty="0" smtClean="0">
-                          <a:effectLst/>
-                          <a:latin typeface="Arial" panose="020B0604020202020204" pitchFamily="34" charset="0"/>
-                          <a:ea typeface="Batang" panose="02030600000101010101" pitchFamily="18" charset="-127"/>
-                          <a:cs typeface="Arial" panose="020B0604020202020204" pitchFamily="34" charset="0"/>
-                        </a:rPr>
-                        <a:t>Timing Mode</a:t>
-                      </a:r>
-                    </a:p>
-                  </a:txBody>
-                  <a:tcPr marL="51435" marR="51435" marT="26035" marB="26035">
-                    <a:lnL w="12700" cap="flat" cmpd="sng" algn="ctr">
-                      <a:solidFill>
-                        <a:srgbClr val="000000"/>
-                      </a:solidFill>
-                      <a:prstDash val="solid"/>
-                      <a:round/>
-                      <a:headEnd type="none" w="med" len="med"/>
-                      <a:tailEnd type="none" w="med" len="med"/>
-                    </a:lnL>
-                    <a:lnR w="12700" cap="flat" cmpd="sng" algn="ctr">
-                      <a:solidFill>
-                        <a:srgbClr val="000000"/>
-                      </a:solidFill>
-                      <a:prstDash val="solid"/>
-                      <a:round/>
-                      <a:headEnd type="none" w="med" len="med"/>
-                      <a:tailEnd type="none" w="med" len="med"/>
-                    </a:lnR>
-                    <a:lnT w="12700" cap="flat" cmpd="sng" algn="ctr">
-                      <a:solidFill>
-                        <a:srgbClr val="000000"/>
-                      </a:solidFill>
-                      <a:prstDash val="solid"/>
-                      <a:round/>
-                      <a:headEnd type="none" w="med" len="med"/>
-                      <a:tailEnd type="none" w="med" len="med"/>
-                    </a:lnT>
-                    <a:lnB w="12700" cap="flat" cmpd="sng" algn="ctr">
-                      <a:solidFill>
-                        <a:srgbClr val="000000"/>
-                      </a:solidFill>
-                      <a:prstDash val="solid"/>
-                      <a:round/>
-                      <a:headEnd type="none" w="med" len="med"/>
-                      <a:tailEnd type="none" w="med" len="med"/>
-                    </a:lnB>
-                    <a:solidFill>
-                      <a:schemeClr val="accent1">
-                        <a:lumMod val="20000"/>
-                        <a:lumOff val="80000"/>
-                      </a:schemeClr>
-                    </a:solidFill>
-                  </a:tcPr>
-                </a:tc>
-                <a:tc>
-                  <a:txBody>
-                    <a:bodyPr/>
-                    <a:lstStyle/>
-                    <a:p>
-                      <a:pPr marL="0" marR="0" algn="just">
-                        <a:lnSpc>
-                          <a:spcPct val="150000"/>
-                        </a:lnSpc>
-                        <a:spcBef>
-                          <a:spcPts val="0"/>
-                        </a:spcBef>
-                        <a:spcAft>
-                          <a:spcPts val="800"/>
-                        </a:spcAft>
-                      </a:pPr>
-                      <a:r>
-                        <a:rPr lang="en-US" sz="1400" dirty="0" smtClean="0">
-                          <a:effectLst/>
-                          <a:latin typeface="Arial" panose="020B0604020202020204" pitchFamily="34" charset="0"/>
-                          <a:ea typeface="Batang" panose="02030600000101010101" pitchFamily="18" charset="-127"/>
-                          <a:cs typeface="Arial" panose="020B0604020202020204" pitchFamily="34" charset="0"/>
-                        </a:rPr>
-                        <a:t>0</a:t>
-                      </a:r>
-                      <a:endParaRPr lang="en-US" sz="1400" dirty="0">
-                        <a:effectLst/>
-                        <a:latin typeface="Arial" panose="020B0604020202020204" pitchFamily="34" charset="0"/>
-                        <a:ea typeface="Batang" panose="02030600000101010101" pitchFamily="18" charset="-127"/>
-                        <a:cs typeface="Arial" panose="020B0604020202020204" pitchFamily="34" charset="0"/>
-                      </a:endParaRPr>
-                    </a:p>
-                  </a:txBody>
-                  <a:tcPr marL="51435" marR="51435" marT="26035" marB="26035">
-                    <a:lnL w="12700" cap="flat" cmpd="sng" algn="ctr">
-                      <a:solidFill>
-                        <a:srgbClr val="000000"/>
-                      </a:solidFill>
-                      <a:prstDash val="solid"/>
-                      <a:round/>
-                      <a:headEnd type="none" w="med" len="med"/>
-                      <a:tailEnd type="none" w="med" len="med"/>
-                    </a:lnL>
-                    <a:lnR w="12700" cap="flat" cmpd="sng" algn="ctr">
-                      <a:solidFill>
-                        <a:srgbClr val="000000"/>
-                      </a:solidFill>
-                      <a:prstDash val="solid"/>
-                      <a:round/>
-                      <a:headEnd type="none" w="med" len="med"/>
-                      <a:tailEnd type="none" w="med" len="med"/>
-                    </a:lnR>
-                    <a:lnT w="12700" cap="flat" cmpd="sng" algn="ctr">
-                      <a:solidFill>
-                        <a:srgbClr val="000000"/>
-                      </a:solidFill>
-                      <a:prstDash val="solid"/>
-                      <a:round/>
-                      <a:headEnd type="none" w="med" len="med"/>
-                      <a:tailEnd type="none" w="med" len="med"/>
-                    </a:lnT>
-                    <a:lnB w="12700" cap="flat" cmpd="sng" algn="ctr">
-                      <a:solidFill>
-                        <a:srgbClr val="000000"/>
-                      </a:solidFill>
-                      <a:prstDash val="solid"/>
-                      <a:round/>
-                      <a:headEnd type="none" w="med" len="med"/>
-                      <a:tailEnd type="none" w="med" len="med"/>
-                    </a:lnB>
-                    <a:solidFill>
-                      <a:schemeClr val="accent1">
-                        <a:lumMod val="20000"/>
-                        <a:lumOff val="80000"/>
-                      </a:schemeClr>
-                    </a:solidFill>
-                  </a:tcPr>
-                </a:tc>
-                <a:extLst>
-                  <a:ext uri="{0D108BD9-81ED-4DB2-BD59-A6C34878D82A}">
-                    <a16:rowId xmlns:a16="http://schemas.microsoft.com/office/drawing/2014/main" val="2427695030"/>
-                  </a:ext>
-                </a:extLst>
-              </a:tr>
-              <a:tr h="351246">
-                <a:tc>
-                  <a:txBody>
-                    <a:bodyPr/>
-                    <a:lstStyle/>
-                    <a:p>
-                      <a:pPr marL="0" marR="0" indent="0" algn="just" defTabSz="914400" rtl="0" eaLnBrk="1" fontAlgn="auto" latinLnBrk="0" hangingPunct="1">
-                        <a:lnSpc>
-                          <a:spcPct val="150000"/>
-                        </a:lnSpc>
-                        <a:spcBef>
-                          <a:spcPts val="0"/>
-                        </a:spcBef>
-                        <a:spcAft>
-                          <a:spcPts val="800"/>
-                        </a:spcAft>
-                        <a:buClrTx/>
-                        <a:buSzTx/>
-                        <a:buFontTx/>
-                        <a:buNone/>
-                        <a:tabLst/>
-                        <a:defRPr/>
-                      </a:pPr>
-                      <a:r>
-                        <a:rPr lang="en-US" sz="1400" dirty="0" smtClean="0">
-                          <a:effectLst/>
-                          <a:latin typeface="Arial" panose="020B0604020202020204" pitchFamily="34" charset="0"/>
-                          <a:ea typeface="Batang" panose="02030600000101010101" pitchFamily="18" charset="-127"/>
-                          <a:cs typeface="Arial" panose="020B0604020202020204" pitchFamily="34" charset="0"/>
-                        </a:rPr>
-                        <a:t>Page</a:t>
-                      </a:r>
-                      <a:r>
-                        <a:rPr lang="en-US" sz="1400" baseline="0" dirty="0" smtClean="0">
-                          <a:effectLst/>
-                          <a:latin typeface="Arial" panose="020B0604020202020204" pitchFamily="34" charset="0"/>
-                          <a:ea typeface="Batang" panose="02030600000101010101" pitchFamily="18" charset="-127"/>
-                          <a:cs typeface="Arial" panose="020B0604020202020204" pitchFamily="34" charset="0"/>
-                        </a:rPr>
-                        <a:t> size</a:t>
-                      </a:r>
-                      <a:endParaRPr lang="en-US" sz="1400" dirty="0" smtClean="0">
-                        <a:effectLst/>
-                        <a:latin typeface="Arial" panose="020B0604020202020204" pitchFamily="34" charset="0"/>
-                        <a:ea typeface="Batang" panose="02030600000101010101" pitchFamily="18" charset="-127"/>
-                        <a:cs typeface="Arial" panose="020B0604020202020204" pitchFamily="34" charset="0"/>
-                      </a:endParaRPr>
-                    </a:p>
-                  </a:txBody>
-                  <a:tcPr marL="51435" marR="51435" marT="26035" marB="26035">
-                    <a:lnL w="12700" cap="flat" cmpd="sng" algn="ctr">
-                      <a:solidFill>
-                        <a:srgbClr val="000000"/>
-                      </a:solidFill>
-                      <a:prstDash val="solid"/>
-                      <a:round/>
-                      <a:headEnd type="none" w="med" len="med"/>
-                      <a:tailEnd type="none" w="med" len="med"/>
-                    </a:lnL>
-                    <a:lnR w="12700" cap="flat" cmpd="sng" algn="ctr">
-                      <a:solidFill>
-                        <a:srgbClr val="000000"/>
-                      </a:solidFill>
-                      <a:prstDash val="solid"/>
-                      <a:round/>
-                      <a:headEnd type="none" w="med" len="med"/>
-                      <a:tailEnd type="none" w="med" len="med"/>
-                    </a:lnR>
-                    <a:lnT w="12700" cap="flat" cmpd="sng" algn="ctr">
-                      <a:solidFill>
-                        <a:srgbClr val="000000"/>
-                      </a:solidFill>
-                      <a:prstDash val="solid"/>
-                      <a:round/>
-                      <a:headEnd type="none" w="med" len="med"/>
-                      <a:tailEnd type="none" w="med" len="med"/>
-                    </a:lnT>
-                    <a:lnB w="12700" cap="flat" cmpd="sng" algn="ctr">
-                      <a:solidFill>
-                        <a:srgbClr val="000000"/>
-                      </a:solidFill>
-                      <a:prstDash val="solid"/>
-                      <a:round/>
-                      <a:headEnd type="none" w="med" len="med"/>
-                      <a:tailEnd type="none" w="med" len="med"/>
-                    </a:lnB>
-                    <a:solidFill>
-                      <a:schemeClr val="accent1">
-                        <a:lumMod val="20000"/>
-                        <a:lumOff val="80000"/>
-                      </a:schemeClr>
-                    </a:solidFill>
-                  </a:tcPr>
-                </a:tc>
-                <a:tc>
-                  <a:txBody>
-                    <a:bodyPr/>
-                    <a:lstStyle/>
-                    <a:p>
-                      <a:pPr marL="0" marR="0" algn="just">
-                        <a:lnSpc>
-                          <a:spcPct val="150000"/>
-                        </a:lnSpc>
-                        <a:spcBef>
-                          <a:spcPts val="0"/>
-                        </a:spcBef>
-                        <a:spcAft>
-                          <a:spcPts val="800"/>
-                        </a:spcAft>
-                      </a:pPr>
-                      <a:r>
-                        <a:rPr lang="en-US" sz="1400" dirty="0" smtClean="0">
-                          <a:effectLst/>
-                          <a:latin typeface="Arial" panose="020B0604020202020204" pitchFamily="34" charset="0"/>
-                          <a:ea typeface="Batang" panose="02030600000101010101" pitchFamily="18" charset="-127"/>
-                          <a:cs typeface="Arial" panose="020B0604020202020204" pitchFamily="34" charset="0"/>
-                        </a:rPr>
-                        <a:t>1K </a:t>
-                      </a:r>
-                      <a:r>
-                        <a:rPr lang="en-US" sz="1400" dirty="0" smtClean="0">
-                          <a:effectLst/>
-                          <a:latin typeface="Arial" panose="020B0604020202020204" pitchFamily="34" charset="0"/>
-                          <a:ea typeface="Batang" panose="02030600000101010101" pitchFamily="18" charset="-127"/>
-                          <a:cs typeface="Arial" panose="020B0604020202020204" pitchFamily="34" charset="0"/>
-                        </a:rPr>
-                        <a:t>byte</a:t>
-                      </a:r>
-                      <a:endParaRPr lang="en-US" sz="1400" dirty="0">
-                        <a:effectLst/>
-                        <a:latin typeface="Arial" panose="020B0604020202020204" pitchFamily="34" charset="0"/>
-                        <a:ea typeface="Batang" panose="02030600000101010101" pitchFamily="18" charset="-127"/>
-                        <a:cs typeface="Arial" panose="020B0604020202020204" pitchFamily="34" charset="0"/>
-                      </a:endParaRPr>
-                    </a:p>
-                  </a:txBody>
-                  <a:tcPr marL="51435" marR="51435" marT="26035" marB="26035">
-                    <a:lnL w="12700" cap="flat" cmpd="sng" algn="ctr">
-                      <a:solidFill>
-                        <a:srgbClr val="000000"/>
-                      </a:solidFill>
-                      <a:prstDash val="solid"/>
-                      <a:round/>
-                      <a:headEnd type="none" w="med" len="med"/>
-                      <a:tailEnd type="none" w="med" len="med"/>
-                    </a:lnL>
-                    <a:lnR w="12700" cap="flat" cmpd="sng" algn="ctr">
-                      <a:solidFill>
-                        <a:srgbClr val="000000"/>
-                      </a:solidFill>
-                      <a:prstDash val="solid"/>
-                      <a:round/>
-                      <a:headEnd type="none" w="med" len="med"/>
-                      <a:tailEnd type="none" w="med" len="med"/>
-                    </a:lnR>
-                    <a:lnT w="12700" cap="flat" cmpd="sng" algn="ctr">
-                      <a:solidFill>
-                        <a:srgbClr val="000000"/>
-                      </a:solidFill>
-                      <a:prstDash val="solid"/>
-                      <a:round/>
-                      <a:headEnd type="none" w="med" len="med"/>
-                      <a:tailEnd type="none" w="med" len="med"/>
-                    </a:lnT>
-                    <a:lnB w="12700" cap="flat" cmpd="sng" algn="ctr">
-                      <a:solidFill>
-                        <a:srgbClr val="000000"/>
-                      </a:solidFill>
-                      <a:prstDash val="solid"/>
-                      <a:round/>
-                      <a:headEnd type="none" w="med" len="med"/>
-                      <a:tailEnd type="none" w="med" len="med"/>
-                    </a:lnB>
-                    <a:solidFill>
-                      <a:schemeClr val="accent1">
-                        <a:lumMod val="20000"/>
-                        <a:lumOff val="80000"/>
-                      </a:schemeClr>
-                    </a:solidFill>
-                  </a:tcPr>
-                </a:tc>
-                <a:extLst>
-                  <a:ext uri="{0D108BD9-81ED-4DB2-BD59-A6C34878D82A}">
-                    <a16:rowId xmlns:a16="http://schemas.microsoft.com/office/drawing/2014/main" val="1302275305"/>
-                  </a:ext>
-                </a:extLst>
-              </a:tr>
-              <a:tr h="353892">
-                <a:tc>
-                  <a:txBody>
-                    <a:bodyPr/>
-                    <a:lstStyle/>
-                    <a:p>
-                      <a:pPr marL="0" marR="0" algn="l">
-                        <a:lnSpc>
-                          <a:spcPct val="150000"/>
-                        </a:lnSpc>
-                        <a:spcBef>
-                          <a:spcPts val="0"/>
-                        </a:spcBef>
-                        <a:spcAft>
-                          <a:spcPts val="800"/>
-                        </a:spcAft>
-                      </a:pPr>
-                      <a:r>
-                        <a:rPr lang="en-US" sz="1400" dirty="0" smtClean="0">
-                          <a:effectLst/>
-                          <a:latin typeface="Arial" panose="020B0604020202020204" pitchFamily="34" charset="0"/>
-                          <a:ea typeface="Batang" panose="02030600000101010101" pitchFamily="18" charset="-127"/>
-                          <a:cs typeface="Arial" panose="020B0604020202020204" pitchFamily="34" charset="0"/>
-                        </a:rPr>
-                        <a:t>Write page</a:t>
-                      </a:r>
-                      <a:endParaRPr lang="en-US" sz="1400" dirty="0">
-                        <a:effectLst/>
-                        <a:latin typeface="Arial" panose="020B0604020202020204" pitchFamily="34" charset="0"/>
-                        <a:ea typeface="Batang" panose="02030600000101010101" pitchFamily="18" charset="-127"/>
-                        <a:cs typeface="Arial" panose="020B0604020202020204" pitchFamily="34" charset="0"/>
-                      </a:endParaRPr>
-                    </a:p>
-                  </a:txBody>
-                  <a:tcPr marL="51435" marR="51435" marT="26035" marB="26035">
-                    <a:lnL w="12700" cap="flat" cmpd="sng" algn="ctr">
-                      <a:solidFill>
-                        <a:srgbClr val="000000"/>
-                      </a:solidFill>
-                      <a:prstDash val="solid"/>
-                      <a:round/>
-                      <a:headEnd type="none" w="med" len="med"/>
-                      <a:tailEnd type="none" w="med" len="med"/>
-                    </a:lnL>
-                    <a:lnR w="12700" cap="flat" cmpd="sng" algn="ctr">
-                      <a:solidFill>
-                        <a:srgbClr val="000000"/>
-                      </a:solidFill>
-                      <a:prstDash val="solid"/>
-                      <a:round/>
-                      <a:headEnd type="none" w="med" len="med"/>
-                      <a:tailEnd type="none" w="med" len="med"/>
-                    </a:lnR>
-                    <a:lnT w="12700" cap="flat" cmpd="sng" algn="ctr">
-                      <a:solidFill>
-                        <a:srgbClr val="000000"/>
-                      </a:solidFill>
-                      <a:prstDash val="solid"/>
-                      <a:round/>
-                      <a:headEnd type="none" w="med" len="med"/>
-                      <a:tailEnd type="none" w="med" len="med"/>
-                    </a:lnT>
-                    <a:lnB w="12700" cap="flat" cmpd="sng" algn="ctr">
-                      <a:solidFill>
-                        <a:srgbClr val="000000"/>
-                      </a:solidFill>
-                      <a:prstDash val="solid"/>
-                      <a:round/>
-                      <a:headEnd type="none" w="med" len="med"/>
-                      <a:tailEnd type="none" w="med" len="med"/>
-                    </a:lnB>
-                    <a:solidFill>
-                      <a:schemeClr val="accent1">
-                        <a:lumMod val="20000"/>
-                        <a:lumOff val="80000"/>
-                      </a:schemeClr>
-                    </a:solidFill>
-                  </a:tcPr>
-                </a:tc>
-                <a:tc>
-                  <a:txBody>
-                    <a:bodyPr/>
-                    <a:lstStyle/>
-                    <a:p>
-                      <a:pPr marL="0" marR="0" algn="just">
-                        <a:lnSpc>
-                          <a:spcPct val="150000"/>
-                        </a:lnSpc>
-                        <a:spcBef>
-                          <a:spcPts val="0"/>
-                        </a:spcBef>
-                        <a:spcAft>
-                          <a:spcPts val="800"/>
-                        </a:spcAft>
-                      </a:pPr>
-                      <a:r>
-                        <a:rPr lang="en-US" sz="1400" dirty="0" smtClean="0">
-                          <a:effectLst/>
-                          <a:latin typeface="Arial" panose="020B0604020202020204" pitchFamily="34" charset="0"/>
-                          <a:ea typeface="Batang" panose="02030600000101010101" pitchFamily="18" charset="-127"/>
-                          <a:cs typeface="Arial" panose="020B0604020202020204" pitchFamily="34" charset="0"/>
-                        </a:rPr>
-                        <a:t>320us</a:t>
-                      </a:r>
-                    </a:p>
-                  </a:txBody>
-                  <a:tcPr marL="51435" marR="51435" marT="26035" marB="26035">
-                    <a:lnL w="12700" cap="flat" cmpd="sng" algn="ctr">
-                      <a:solidFill>
-                        <a:srgbClr val="000000"/>
-                      </a:solidFill>
-                      <a:prstDash val="solid"/>
-                      <a:round/>
-                      <a:headEnd type="none" w="med" len="med"/>
-                      <a:tailEnd type="none" w="med" len="med"/>
-                    </a:lnL>
-                    <a:lnR w="12700" cap="flat" cmpd="sng" algn="ctr">
-                      <a:solidFill>
-                        <a:srgbClr val="000000"/>
-                      </a:solidFill>
-                      <a:prstDash val="solid"/>
-                      <a:round/>
-                      <a:headEnd type="none" w="med" len="med"/>
-                      <a:tailEnd type="none" w="med" len="med"/>
-                    </a:lnR>
-                    <a:lnT w="12700" cap="flat" cmpd="sng" algn="ctr">
-                      <a:solidFill>
-                        <a:srgbClr val="000000"/>
-                      </a:solidFill>
-                      <a:prstDash val="solid"/>
-                      <a:round/>
-                      <a:headEnd type="none" w="med" len="med"/>
-                      <a:tailEnd type="none" w="med" len="med"/>
-                    </a:lnT>
-                    <a:lnB w="12700" cap="flat" cmpd="sng" algn="ctr">
-                      <a:solidFill>
-                        <a:srgbClr val="000000"/>
-                      </a:solidFill>
-                      <a:prstDash val="solid"/>
-                      <a:round/>
-                      <a:headEnd type="none" w="med" len="med"/>
-                      <a:tailEnd type="none" w="med" len="med"/>
-                    </a:lnB>
-                    <a:solidFill>
-                      <a:schemeClr val="accent1">
-                        <a:lumMod val="20000"/>
-                        <a:lumOff val="80000"/>
-                      </a:schemeClr>
-                    </a:solidFill>
-                  </a:tcPr>
-                </a:tc>
-                <a:extLst>
-                  <a:ext uri="{0D108BD9-81ED-4DB2-BD59-A6C34878D82A}">
-                    <a16:rowId xmlns:a16="http://schemas.microsoft.com/office/drawing/2014/main" val="1815966335"/>
-                  </a:ext>
-                </a:extLst>
-              </a:tr>
-              <a:tr h="353892">
-                <a:tc>
-                  <a:txBody>
-                    <a:bodyPr/>
-                    <a:lstStyle/>
-                    <a:p>
-                      <a:pPr marL="0" marR="0" algn="just">
-                        <a:lnSpc>
-                          <a:spcPct val="150000"/>
-                        </a:lnSpc>
-                        <a:spcBef>
-                          <a:spcPts val="0"/>
-                        </a:spcBef>
-                        <a:spcAft>
-                          <a:spcPts val="800"/>
-                        </a:spcAft>
-                      </a:pPr>
-                      <a:r>
-                        <a:rPr lang="en-US" sz="1400" dirty="0" smtClean="0">
-                          <a:effectLst/>
-                          <a:latin typeface="Arial" panose="020B0604020202020204" pitchFamily="34" charset="0"/>
-                          <a:ea typeface="Batang" panose="02030600000101010101" pitchFamily="18" charset="-127"/>
-                          <a:cs typeface="Arial" panose="020B0604020202020204" pitchFamily="34" charset="0"/>
-                        </a:rPr>
-                        <a:t>Read page</a:t>
-                      </a:r>
-                      <a:endParaRPr lang="en-US" sz="1400" dirty="0">
-                        <a:effectLst/>
-                        <a:latin typeface="Arial" panose="020B0604020202020204" pitchFamily="34" charset="0"/>
-                        <a:ea typeface="Batang" panose="02030600000101010101" pitchFamily="18" charset="-127"/>
-                        <a:cs typeface="Arial" panose="020B0604020202020204" pitchFamily="34" charset="0"/>
-                      </a:endParaRPr>
-                    </a:p>
-                  </a:txBody>
-                  <a:tcPr marL="51435" marR="51435" marT="26035" marB="26035">
-                    <a:lnL w="12700" cap="flat" cmpd="sng" algn="ctr">
-                      <a:solidFill>
-                        <a:srgbClr val="000000"/>
-                      </a:solidFill>
-                      <a:prstDash val="solid"/>
-                      <a:round/>
-                      <a:headEnd type="none" w="med" len="med"/>
-                      <a:tailEnd type="none" w="med" len="med"/>
-                    </a:lnL>
-                    <a:lnR w="12700" cap="flat" cmpd="sng" algn="ctr">
-                      <a:solidFill>
-                        <a:srgbClr val="000000"/>
-                      </a:solidFill>
-                      <a:prstDash val="solid"/>
-                      <a:round/>
-                      <a:headEnd type="none" w="med" len="med"/>
-                      <a:tailEnd type="none" w="med" len="med"/>
-                    </a:lnR>
-                    <a:lnT w="12700" cap="flat" cmpd="sng" algn="ctr">
-                      <a:solidFill>
-                        <a:srgbClr val="000000"/>
-                      </a:solidFill>
-                      <a:prstDash val="solid"/>
-                      <a:round/>
-                      <a:headEnd type="none" w="med" len="med"/>
-                      <a:tailEnd type="none" w="med" len="med"/>
-                    </a:lnT>
-                    <a:lnB w="12700" cap="flat" cmpd="sng" algn="ctr">
-                      <a:solidFill>
-                        <a:srgbClr val="000000"/>
-                      </a:solidFill>
-                      <a:prstDash val="solid"/>
-                      <a:round/>
-                      <a:headEnd type="none" w="med" len="med"/>
-                      <a:tailEnd type="none" w="med" len="med"/>
-                    </a:lnB>
-                    <a:solidFill>
-                      <a:schemeClr val="accent1">
-                        <a:lumMod val="20000"/>
-                        <a:lumOff val="80000"/>
-                      </a:schemeClr>
-                    </a:solidFill>
-                  </a:tcPr>
-                </a:tc>
-                <a:tc>
-                  <a:txBody>
-                    <a:bodyPr/>
-                    <a:lstStyle/>
-                    <a:p>
-                      <a:pPr marL="0" marR="0" algn="just">
-                        <a:lnSpc>
-                          <a:spcPct val="150000"/>
-                        </a:lnSpc>
-                        <a:spcBef>
-                          <a:spcPts val="0"/>
-                        </a:spcBef>
-                        <a:spcAft>
-                          <a:spcPts val="800"/>
-                        </a:spcAft>
-                      </a:pPr>
-                      <a:r>
-                        <a:rPr lang="en-US" sz="1400" dirty="0" smtClean="0">
-                          <a:effectLst/>
-                          <a:latin typeface="Arial" panose="020B0604020202020204" pitchFamily="34" charset="0"/>
-                          <a:ea typeface="Batang" panose="02030600000101010101" pitchFamily="18" charset="-127"/>
-                          <a:cs typeface="Arial" panose="020B0604020202020204" pitchFamily="34" charset="0"/>
-                        </a:rPr>
-                        <a:t>25us</a:t>
-                      </a:r>
-                    </a:p>
-                  </a:txBody>
-                  <a:tcPr marL="51435" marR="51435" marT="26035" marB="26035">
-                    <a:lnL w="12700" cap="flat" cmpd="sng" algn="ctr">
-                      <a:solidFill>
-                        <a:srgbClr val="000000"/>
-                      </a:solidFill>
-                      <a:prstDash val="solid"/>
-                      <a:round/>
-                      <a:headEnd type="none" w="med" len="med"/>
-                      <a:tailEnd type="none" w="med" len="med"/>
-                    </a:lnL>
-                    <a:lnR w="12700" cap="flat" cmpd="sng" algn="ctr">
-                      <a:solidFill>
-                        <a:srgbClr val="000000"/>
-                      </a:solidFill>
-                      <a:prstDash val="solid"/>
-                      <a:round/>
-                      <a:headEnd type="none" w="med" len="med"/>
-                      <a:tailEnd type="none" w="med" len="med"/>
-                    </a:lnR>
-                    <a:lnT w="12700" cap="flat" cmpd="sng" algn="ctr">
-                      <a:solidFill>
-                        <a:srgbClr val="000000"/>
-                      </a:solidFill>
-                      <a:prstDash val="solid"/>
-                      <a:round/>
-                      <a:headEnd type="none" w="med" len="med"/>
-                      <a:tailEnd type="none" w="med" len="med"/>
-                    </a:lnT>
-                    <a:lnB w="12700" cap="flat" cmpd="sng" algn="ctr">
-                      <a:solidFill>
-                        <a:srgbClr val="000000"/>
-                      </a:solidFill>
-                      <a:prstDash val="solid"/>
-                      <a:round/>
-                      <a:headEnd type="none" w="med" len="med"/>
-                      <a:tailEnd type="none" w="med" len="med"/>
-                    </a:lnB>
-                    <a:solidFill>
-                      <a:schemeClr val="accent1">
-                        <a:lumMod val="20000"/>
-                        <a:lumOff val="80000"/>
-                      </a:schemeClr>
-                    </a:solidFill>
-                  </a:tcPr>
-                </a:tc>
-                <a:extLst>
-                  <a:ext uri="{0D108BD9-81ED-4DB2-BD59-A6C34878D82A}">
-                    <a16:rowId xmlns:a16="http://schemas.microsoft.com/office/drawing/2014/main" val="2262933443"/>
-                  </a:ext>
-                </a:extLst>
-              </a:tr>
-            </a:tbl>
-          </a:graphicData>
-        </a:graphic>
-      </p:graphicFrame>
-      <p:sp>
-        <p:nvSpPr>
-          <p:cNvPr id="5" name="Rectangle 4"/>
+      <p:pic>
+        <p:nvPicPr>
+          <p:cNvPr id="5" name="Picture 4"/>
+          <p:cNvPicPr>
+            <a:picLocks noChangeAspect="1"/>
+          </p:cNvPicPr>
+          <p:nvPr/>
+        </p:nvPicPr>
+        <p:blipFill>
+          <a:blip r:embed="rId3"/>
+          <a:stretch>
+            <a:fillRect/>
+          </a:stretch>
+        </p:blipFill>
+        <p:spPr>
+          <a:xfrm>
+            <a:off x="2471737" y="1847850"/>
+            <a:ext cx="7248525" cy="3162300"/>
+          </a:xfrm>
+          <a:prstGeom prst="rect">
+            <a:avLst/>
+          </a:prstGeom>
+        </p:spPr>
+      </p:pic>
+      <p:sp>
+        <p:nvSpPr>
+          <p:cNvPr id="6" name="Rectangle 5"/>
           <p:cNvSpPr/>
           <p:nvPr/>
         </p:nvSpPr>
@@ -15722,7 +15699,7 @@
     </p:spTree>
     <p:extLst>
       <p:ext uri="{BB962C8B-B14F-4D97-AF65-F5344CB8AC3E}">
-        <p14:creationId xmlns:p14="http://schemas.microsoft.com/office/powerpoint/2010/main" val="3778012510"/>
+        <p14:creationId xmlns:p14="http://schemas.microsoft.com/office/powerpoint/2010/main" val="3932532918"/>
       </p:ext>
     </p:extLst>
   </p:cSld>
